--- a/2017-04-10 Denver DevOpsDays/DevOpsDays Denver.pptx
+++ b/2017-04-10 Denver DevOpsDays/DevOpsDays Denver.pptx
@@ -11,26 +11,26 @@
     <p:handoutMasterId r:id="rId23"/>
   </p:handoutMasterIdLst>
   <p:sldIdLst>
-    <p:sldId id="329" r:id="rId2"/>
-    <p:sldId id="331" r:id="rId3"/>
-    <p:sldId id="330" r:id="rId4"/>
+    <p:sldId id="349" r:id="rId2"/>
+    <p:sldId id="348" r:id="rId3"/>
+    <p:sldId id="331" r:id="rId4"/>
     <p:sldId id="332" r:id="rId5"/>
-    <p:sldId id="333" r:id="rId6"/>
-    <p:sldId id="334" r:id="rId7"/>
-    <p:sldId id="335" r:id="rId8"/>
-    <p:sldId id="336" r:id="rId9"/>
-    <p:sldId id="337" r:id="rId10"/>
-    <p:sldId id="338" r:id="rId11"/>
-    <p:sldId id="339" r:id="rId12"/>
-    <p:sldId id="340" r:id="rId13"/>
-    <p:sldId id="341" r:id="rId14"/>
-    <p:sldId id="342" r:id="rId15"/>
-    <p:sldId id="343" r:id="rId16"/>
-    <p:sldId id="344" r:id="rId17"/>
+    <p:sldId id="334" r:id="rId6"/>
+    <p:sldId id="330" r:id="rId7"/>
+    <p:sldId id="333" r:id="rId8"/>
+    <p:sldId id="335" r:id="rId9"/>
+    <p:sldId id="336" r:id="rId10"/>
+    <p:sldId id="337" r:id="rId11"/>
+    <p:sldId id="338" r:id="rId12"/>
+    <p:sldId id="339" r:id="rId13"/>
+    <p:sldId id="340" r:id="rId14"/>
+    <p:sldId id="341" r:id="rId15"/>
+    <p:sldId id="342" r:id="rId16"/>
+    <p:sldId id="343" r:id="rId17"/>
     <p:sldId id="345" r:id="rId18"/>
     <p:sldId id="346" r:id="rId19"/>
     <p:sldId id="347" r:id="rId20"/>
-    <p:sldId id="348" r:id="rId21"/>
+    <p:sldId id="350" r:id="rId21"/>
   </p:sldIdLst>
   <p:sldSz cx="12192000" cy="6858000"/>
   <p:notesSz cx="7010400" cy="9296400"/>
@@ -745,7 +745,7 @@
     </p:spTree>
     <p:extLst>
       <p:ext uri="{BB962C8B-B14F-4D97-AF65-F5344CB8AC3E}">
-        <p14:creationId xmlns:p14="http://schemas.microsoft.com/office/powerpoint/2010/main" val="146015809"/>
+        <p14:creationId xmlns:p14="http://schemas.microsoft.com/office/powerpoint/2010/main" val="771953111"/>
       </p:ext>
     </p:extLst>
   </p:cSld>
@@ -829,7 +829,7 @@
     </p:spTree>
     <p:extLst>
       <p:ext uri="{BB962C8B-B14F-4D97-AF65-F5344CB8AC3E}">
-        <p14:creationId xmlns:p14="http://schemas.microsoft.com/office/powerpoint/2010/main" val="2027043380"/>
+        <p14:creationId xmlns:p14="http://schemas.microsoft.com/office/powerpoint/2010/main" val="293634033"/>
       </p:ext>
     </p:extLst>
   </p:cSld>
@@ -913,7 +913,7 @@
     </p:spTree>
     <p:extLst>
       <p:ext uri="{BB962C8B-B14F-4D97-AF65-F5344CB8AC3E}">
-        <p14:creationId xmlns:p14="http://schemas.microsoft.com/office/powerpoint/2010/main" val="1399202729"/>
+        <p14:creationId xmlns:p14="http://schemas.microsoft.com/office/powerpoint/2010/main" val="2027043380"/>
       </p:ext>
     </p:extLst>
   </p:cSld>
@@ -997,7 +997,7 @@
     </p:spTree>
     <p:extLst>
       <p:ext uri="{BB962C8B-B14F-4D97-AF65-F5344CB8AC3E}">
-        <p14:creationId xmlns:p14="http://schemas.microsoft.com/office/powerpoint/2010/main" val="1851592101"/>
+        <p14:creationId xmlns:p14="http://schemas.microsoft.com/office/powerpoint/2010/main" val="1399202729"/>
       </p:ext>
     </p:extLst>
   </p:cSld>
@@ -1081,7 +1081,7 @@
     </p:spTree>
     <p:extLst>
       <p:ext uri="{BB962C8B-B14F-4D97-AF65-F5344CB8AC3E}">
-        <p14:creationId xmlns:p14="http://schemas.microsoft.com/office/powerpoint/2010/main" val="1092850286"/>
+        <p14:creationId xmlns:p14="http://schemas.microsoft.com/office/powerpoint/2010/main" val="1851592101"/>
       </p:ext>
     </p:extLst>
   </p:cSld>
@@ -1165,7 +1165,7 @@
     </p:spTree>
     <p:extLst>
       <p:ext uri="{BB962C8B-B14F-4D97-AF65-F5344CB8AC3E}">
-        <p14:creationId xmlns:p14="http://schemas.microsoft.com/office/powerpoint/2010/main" val="357249835"/>
+        <p14:creationId xmlns:p14="http://schemas.microsoft.com/office/powerpoint/2010/main" val="1092850286"/>
       </p:ext>
     </p:extLst>
   </p:cSld>
@@ -1249,7 +1249,7 @@
     </p:spTree>
     <p:extLst>
       <p:ext uri="{BB962C8B-B14F-4D97-AF65-F5344CB8AC3E}">
-        <p14:creationId xmlns:p14="http://schemas.microsoft.com/office/powerpoint/2010/main" val="1414984021"/>
+        <p14:creationId xmlns:p14="http://schemas.microsoft.com/office/powerpoint/2010/main" val="357249835"/>
       </p:ext>
     </p:extLst>
   </p:cSld>
@@ -1333,7 +1333,7 @@
     </p:spTree>
     <p:extLst>
       <p:ext uri="{BB962C8B-B14F-4D97-AF65-F5344CB8AC3E}">
-        <p14:creationId xmlns:p14="http://schemas.microsoft.com/office/powerpoint/2010/main" val="190113854"/>
+        <p14:creationId xmlns:p14="http://schemas.microsoft.com/office/powerpoint/2010/main" val="1414984021"/>
       </p:ext>
     </p:extLst>
   </p:cSld>
@@ -1669,7 +1669,7 @@
     </p:spTree>
     <p:extLst>
       <p:ext uri="{BB962C8B-B14F-4D97-AF65-F5344CB8AC3E}">
-        <p14:creationId xmlns:p14="http://schemas.microsoft.com/office/powerpoint/2010/main" val="119530095"/>
+        <p14:creationId xmlns:p14="http://schemas.microsoft.com/office/powerpoint/2010/main" val="1464113184"/>
       </p:ext>
     </p:extLst>
   </p:cSld>
@@ -1753,7 +1753,7 @@
     </p:spTree>
     <p:extLst>
       <p:ext uri="{BB962C8B-B14F-4D97-AF65-F5344CB8AC3E}">
-        <p14:creationId xmlns:p14="http://schemas.microsoft.com/office/powerpoint/2010/main" val="1464113184"/>
+        <p14:creationId xmlns:p14="http://schemas.microsoft.com/office/powerpoint/2010/main" val="289122148"/>
       </p:ext>
     </p:extLst>
   </p:cSld>
@@ -1837,7 +1837,7 @@
     </p:spTree>
     <p:extLst>
       <p:ext uri="{BB962C8B-B14F-4D97-AF65-F5344CB8AC3E}">
-        <p14:creationId xmlns:p14="http://schemas.microsoft.com/office/powerpoint/2010/main" val="259811819"/>
+        <p14:creationId xmlns:p14="http://schemas.microsoft.com/office/powerpoint/2010/main" val="119530095"/>
       </p:ext>
     </p:extLst>
   </p:cSld>
@@ -2005,7 +2005,7 @@
     </p:spTree>
     <p:extLst>
       <p:ext uri="{BB962C8B-B14F-4D97-AF65-F5344CB8AC3E}">
-        <p14:creationId xmlns:p14="http://schemas.microsoft.com/office/powerpoint/2010/main" val="1472923645"/>
+        <p14:creationId xmlns:p14="http://schemas.microsoft.com/office/powerpoint/2010/main" val="1039052763"/>
       </p:ext>
     </p:extLst>
   </p:cSld>
@@ -2089,7 +2089,7 @@
     </p:spTree>
     <p:extLst>
       <p:ext uri="{BB962C8B-B14F-4D97-AF65-F5344CB8AC3E}">
-        <p14:creationId xmlns:p14="http://schemas.microsoft.com/office/powerpoint/2010/main" val="1039052763"/>
+        <p14:creationId xmlns:p14="http://schemas.microsoft.com/office/powerpoint/2010/main" val="259811819"/>
       </p:ext>
     </p:extLst>
   </p:cSld>
@@ -2173,7 +2173,7 @@
     </p:spTree>
     <p:extLst>
       <p:ext uri="{BB962C8B-B14F-4D97-AF65-F5344CB8AC3E}">
-        <p14:creationId xmlns:p14="http://schemas.microsoft.com/office/powerpoint/2010/main" val="1641224040"/>
+        <p14:creationId xmlns:p14="http://schemas.microsoft.com/office/powerpoint/2010/main" val="1472923645"/>
       </p:ext>
     </p:extLst>
   </p:cSld>
@@ -2257,7 +2257,7 @@
     </p:spTree>
     <p:extLst>
       <p:ext uri="{BB962C8B-B14F-4D97-AF65-F5344CB8AC3E}">
-        <p14:creationId xmlns:p14="http://schemas.microsoft.com/office/powerpoint/2010/main" val="220874191"/>
+        <p14:creationId xmlns:p14="http://schemas.microsoft.com/office/powerpoint/2010/main" val="1641224040"/>
       </p:ext>
     </p:extLst>
   </p:cSld>
@@ -2341,7 +2341,7 @@
     </p:spTree>
     <p:extLst>
       <p:ext uri="{BB962C8B-B14F-4D97-AF65-F5344CB8AC3E}">
-        <p14:creationId xmlns:p14="http://schemas.microsoft.com/office/powerpoint/2010/main" val="293634033"/>
+        <p14:creationId xmlns:p14="http://schemas.microsoft.com/office/powerpoint/2010/main" val="220874191"/>
       </p:ext>
     </p:extLst>
   </p:cSld>
@@ -3279,12 +3279,12 @@
               <a:t>” – Guido </a:t>
             </a:r>
             <a:r>
-              <a:rPr lang="en-US" sz="5400" dirty="0" err="1" smtClean="0">
+              <a:rPr lang="en-US" sz="5400" dirty="0" smtClean="0">
                 <a:latin typeface="Courier" charset="0"/>
                 <a:ea typeface="Courier" charset="0"/>
                 <a:cs typeface="Courier" charset="0"/>
               </a:rPr>
-              <a:t>Pinamonti</a:t>
+              <a:t>P.</a:t>
             </a:r>
             <a:endParaRPr lang="en-US" sz="5400" dirty="0">
               <a:latin typeface="Courier" charset="0"/>
@@ -3297,7 +3297,7 @@
     </p:spTree>
     <p:extLst>
       <p:ext uri="{BB962C8B-B14F-4D97-AF65-F5344CB8AC3E}">
-        <p14:creationId xmlns:p14="http://schemas.microsoft.com/office/powerpoint/2010/main" val="1522937086"/>
+        <p14:creationId xmlns:p14="http://schemas.microsoft.com/office/powerpoint/2010/main" val="989393576"/>
       </p:ext>
     </p:extLst>
   </p:cSld>
@@ -3387,7 +3387,7 @@
           <a:p>
             <a:r>
               <a:rPr lang="is-IS" sz="5400" dirty="0" smtClean="0"/>
-              <a:t>… training &amp; experience</a:t>
+              <a:t>… dependencies</a:t>
             </a:r>
             <a:endParaRPr lang="en-US" sz="5400" dirty="0">
               <a:latin typeface="Courier" charset="0"/>
@@ -3400,7 +3400,7 @@
     </p:spTree>
     <p:extLst>
       <p:ext uri="{BB962C8B-B14F-4D97-AF65-F5344CB8AC3E}">
-        <p14:creationId xmlns:p14="http://schemas.microsoft.com/office/powerpoint/2010/main" val="1227509666"/>
+        <p14:creationId xmlns:p14="http://schemas.microsoft.com/office/powerpoint/2010/main" val="1175275077"/>
       </p:ext>
     </p:extLst>
   </p:cSld>
@@ -3490,7 +3490,7 @@
           <a:p>
             <a:r>
               <a:rPr lang="is-IS" sz="5400" dirty="0" smtClean="0"/>
-              <a:t>… context</a:t>
+              <a:t>… training &amp; experience</a:t>
             </a:r>
             <a:endParaRPr lang="en-US" sz="5400" dirty="0">
               <a:latin typeface="Courier" charset="0"/>
@@ -3503,7 +3503,7 @@
     </p:spTree>
     <p:extLst>
       <p:ext uri="{BB962C8B-B14F-4D97-AF65-F5344CB8AC3E}">
-        <p14:creationId xmlns:p14="http://schemas.microsoft.com/office/powerpoint/2010/main" val="533025138"/>
+        <p14:creationId xmlns:p14="http://schemas.microsoft.com/office/powerpoint/2010/main" val="1227509666"/>
       </p:ext>
     </p:extLst>
   </p:cSld>
@@ -3593,7 +3593,7 @@
           <a:p>
             <a:r>
               <a:rPr lang="is-IS" sz="5400" dirty="0" smtClean="0"/>
-              <a:t>… local resolution</a:t>
+              <a:t>… context</a:t>
             </a:r>
             <a:endParaRPr lang="en-US" sz="5400" dirty="0">
               <a:latin typeface="Courier" charset="0"/>
@@ -3606,7 +3606,7 @@
     </p:spTree>
     <p:extLst>
       <p:ext uri="{BB962C8B-B14F-4D97-AF65-F5344CB8AC3E}">
-        <p14:creationId xmlns:p14="http://schemas.microsoft.com/office/powerpoint/2010/main" val="293221817"/>
+        <p14:creationId xmlns:p14="http://schemas.microsoft.com/office/powerpoint/2010/main" val="533025138"/>
       </p:ext>
     </p:extLst>
   </p:cSld>
@@ -3696,7 +3696,7 @@
           <a:p>
             <a:r>
               <a:rPr lang="is-IS" sz="5400" dirty="0" smtClean="0"/>
-              <a:t>… organization structure</a:t>
+              <a:t>… local resolution</a:t>
             </a:r>
             <a:endParaRPr lang="en-US" sz="5400" dirty="0">
               <a:latin typeface="Courier" charset="0"/>
@@ -3709,7 +3709,7 @@
     </p:spTree>
     <p:extLst>
       <p:ext uri="{BB962C8B-B14F-4D97-AF65-F5344CB8AC3E}">
-        <p14:creationId xmlns:p14="http://schemas.microsoft.com/office/powerpoint/2010/main" val="522912830"/>
+        <p14:creationId xmlns:p14="http://schemas.microsoft.com/office/powerpoint/2010/main" val="293221817"/>
       </p:ext>
     </p:extLst>
   </p:cSld>
@@ -3799,7 +3799,7 @@
           <a:p>
             <a:r>
               <a:rPr lang="is-IS" sz="5400" dirty="0" smtClean="0"/>
-              <a:t>… tribal knowledge</a:t>
+              <a:t>… organization structure</a:t>
             </a:r>
             <a:endParaRPr lang="en-US" sz="5400" dirty="0">
               <a:latin typeface="Courier" charset="0"/>
@@ -3812,7 +3812,7 @@
     </p:spTree>
     <p:extLst>
       <p:ext uri="{BB962C8B-B14F-4D97-AF65-F5344CB8AC3E}">
-        <p14:creationId xmlns:p14="http://schemas.microsoft.com/office/powerpoint/2010/main" val="615632383"/>
+        <p14:creationId xmlns:p14="http://schemas.microsoft.com/office/powerpoint/2010/main" val="522912830"/>
       </p:ext>
     </p:extLst>
   </p:cSld>
@@ -3901,17 +3901,21 @@
           <a:lstStyle/>
           <a:p>
             <a:r>
-              <a:rPr lang="en-US" sz="8800" b="1" u="sng" dirty="0" smtClean="0"/>
-              <a:t>SHARED CONSOLE</a:t>
+              <a:rPr lang="is-IS" sz="5400" dirty="0" smtClean="0"/>
+              <a:t>… tribal knowledge</a:t>
             </a:r>
-            <a:endParaRPr lang="en-US" sz="8800" b="1" u="sng" dirty="0"/>
+            <a:endParaRPr lang="en-US" sz="5400" dirty="0">
+              <a:latin typeface="Courier" charset="0"/>
+              <a:ea typeface="Courier" charset="0"/>
+              <a:cs typeface="Courier" charset="0"/>
+            </a:endParaRPr>
           </a:p>
         </p:txBody>
       </p:sp>
     </p:spTree>
     <p:extLst>
       <p:ext uri="{BB962C8B-B14F-4D97-AF65-F5344CB8AC3E}">
-        <p14:creationId xmlns:p14="http://schemas.microsoft.com/office/powerpoint/2010/main" val="2045221529"/>
+        <p14:creationId xmlns:p14="http://schemas.microsoft.com/office/powerpoint/2010/main" val="615632383"/>
       </p:ext>
     </p:extLst>
   </p:cSld>
@@ -3979,7 +3983,7 @@
       </p:sp>
       <p:sp>
         <p:nvSpPr>
-          <p:cNvPr id="2" name="Title 1"/>
+          <p:cNvPr id="4" name="Title 3"/>
           <p:cNvSpPr>
             <a:spLocks noGrp="1"/>
           </p:cNvSpPr>
@@ -3987,34 +3991,49 @@
             <p:ph type="title"/>
           </p:nvPr>
         </p:nvSpPr>
+        <p:spPr/>
+        <p:txBody>
+          <a:bodyPr/>
+          <a:lstStyle/>
+          <a:p>
+            <a:endParaRPr lang="en-US"/>
+          </a:p>
+        </p:txBody>
+      </p:sp>
+      <p:pic>
+        <p:nvPicPr>
+          <p:cNvPr id="5" name="Picture 4"/>
+          <p:cNvPicPr>
+            <a:picLocks noChangeAspect="1"/>
+          </p:cNvPicPr>
+          <p:nvPr/>
+        </p:nvPicPr>
+        <p:blipFill>
+          <a:blip r:embed="rId3">
+            <a:extLst>
+              <a:ext uri="{28A0092B-C50C-407E-A947-70E740481C1C}">
+                <a14:useLocalDpi xmlns:a14="http://schemas.microsoft.com/office/drawing/2010/main" val="0"/>
+              </a:ext>
+            </a:extLst>
+          </a:blip>
+          <a:stretch>
+            <a:fillRect/>
+          </a:stretch>
+        </p:blipFill>
         <p:spPr>
           <a:xfrm>
-            <a:off x="289560" y="2766219"/>
-            <a:ext cx="11064240" cy="1790541"/>
+            <a:off x="406400" y="332581"/>
+            <a:ext cx="11379200" cy="5580755"/>
           </a:xfrm>
+          <a:prstGeom prst="rect">
+            <a:avLst/>
+          </a:prstGeom>
         </p:spPr>
-        <p:txBody>
-          <a:bodyPr>
-            <a:noAutofit/>
-          </a:bodyPr>
-          <a:lstStyle/>
-          <a:p>
-            <a:r>
-              <a:rPr lang="is-IS" sz="5400" dirty="0" smtClean="0"/>
-              <a:t>… transparency</a:t>
-            </a:r>
-            <a:endParaRPr lang="en-US" sz="5400" dirty="0">
-              <a:latin typeface="Courier" charset="0"/>
-              <a:ea typeface="Courier" charset="0"/>
-              <a:cs typeface="Courier" charset="0"/>
-            </a:endParaRPr>
-          </a:p>
-        </p:txBody>
-      </p:sp>
+      </p:pic>
     </p:spTree>
     <p:extLst>
       <p:ext uri="{BB962C8B-B14F-4D97-AF65-F5344CB8AC3E}">
-        <p14:creationId xmlns:p14="http://schemas.microsoft.com/office/powerpoint/2010/main" val="816609633"/>
+        <p14:creationId xmlns:p14="http://schemas.microsoft.com/office/powerpoint/2010/main" val="2045221529"/>
       </p:ext>
     </p:extLst>
   </p:cSld>
@@ -4389,20 +4408,50 @@
           </a:p>
         </p:txBody>
       </p:sp>
-      <p:sp>
-        <p:nvSpPr>
-          <p:cNvPr id="2" name="Title 1"/>
-          <p:cNvSpPr>
-            <a:spLocks noGrp="1"/>
-          </p:cNvSpPr>
-          <p:nvPr>
-            <p:ph type="title"/>
-          </p:nvPr>
-        </p:nvSpPr>
+      <p:pic>
+        <p:nvPicPr>
+          <p:cNvPr id="5" name="Picture 4"/>
+          <p:cNvPicPr>
+            <a:picLocks noChangeAspect="1"/>
+          </p:cNvPicPr>
+          <p:nvPr/>
+        </p:nvPicPr>
+        <p:blipFill>
+          <a:blip r:embed="rId3">
+            <a:extLst>
+              <a:ext uri="{28A0092B-C50C-407E-A947-70E740481C1C}">
+                <a14:useLocalDpi xmlns:a14="http://schemas.microsoft.com/office/drawing/2010/main" val="0"/>
+              </a:ext>
+            </a:extLst>
+          </a:blip>
+          <a:stretch>
+            <a:fillRect/>
+          </a:stretch>
+        </p:blipFill>
         <p:spPr>
           <a:xfrm>
-            <a:off x="289560" y="2766219"/>
-            <a:ext cx="11064240" cy="1790541"/>
+            <a:off x="556260" y="514350"/>
+            <a:ext cx="4067175" cy="5422900"/>
+          </a:xfrm>
+          <a:prstGeom prst="rect">
+            <a:avLst/>
+          </a:prstGeom>
+        </p:spPr>
+      </p:pic>
+      <p:sp>
+        <p:nvSpPr>
+          <p:cNvPr id="6" name="Title 1"/>
+          <p:cNvSpPr>
+            <a:spLocks noGrp="1"/>
+          </p:cNvSpPr>
+          <p:nvPr>
+            <p:ph type="title"/>
+          </p:nvPr>
+        </p:nvSpPr>
+        <p:spPr>
+          <a:xfrm>
+            <a:off x="4927600" y="514350"/>
+            <a:ext cx="7010400" cy="5422899"/>
           </a:xfrm>
         </p:spPr>
         <p:txBody>
@@ -4412,14 +4461,14 @@
           <a:lstStyle/>
           <a:p>
             <a:r>
-              <a:rPr lang="en-US" sz="8800" b="1" u="sng" dirty="0" smtClean="0">
+              <a:rPr lang="en-US" sz="5400" dirty="0" smtClean="0">
                 <a:latin typeface="Courier" charset="0"/>
                 <a:ea typeface="Courier" charset="0"/>
                 <a:cs typeface="Courier" charset="0"/>
               </a:rPr>
-              <a:t>STEPPING STONE</a:t>
+              <a:t>“Insert some quote here” </a:t>
             </a:r>
-            <a:endParaRPr lang="en-US" sz="8800" b="1" u="sng" dirty="0">
+            <a:endParaRPr lang="en-US" sz="5400" dirty="0">
               <a:latin typeface="Courier" charset="0"/>
               <a:ea typeface="Courier" charset="0"/>
               <a:cs typeface="Courier" charset="0"/>
@@ -4430,7 +4479,7 @@
     </p:spTree>
     <p:extLst>
       <p:ext uri="{BB962C8B-B14F-4D97-AF65-F5344CB8AC3E}">
-        <p14:creationId xmlns:p14="http://schemas.microsoft.com/office/powerpoint/2010/main" val="128035827"/>
+        <p14:creationId xmlns:p14="http://schemas.microsoft.com/office/powerpoint/2010/main" val="1964855129"/>
       </p:ext>
     </p:extLst>
   </p:cSld>
@@ -4496,40 +4545,40 @@
           </a:p>
         </p:txBody>
       </p:sp>
-      <p:sp>
-        <p:nvSpPr>
-          <p:cNvPr id="2" name="Title 1"/>
-          <p:cNvSpPr>
-            <a:spLocks noGrp="1"/>
-          </p:cNvSpPr>
-          <p:nvPr>
-            <p:ph type="title"/>
-          </p:nvPr>
-        </p:nvSpPr>
+      <p:pic>
+        <p:nvPicPr>
+          <p:cNvPr id="5" name="Picture 4"/>
+          <p:cNvPicPr>
+            <a:picLocks noChangeAspect="1"/>
+          </p:cNvPicPr>
+          <p:nvPr/>
+        </p:nvPicPr>
+        <p:blipFill>
+          <a:blip r:embed="rId3">
+            <a:extLst>
+              <a:ext uri="{28A0092B-C50C-407E-A947-70E740481C1C}">
+                <a14:useLocalDpi xmlns:a14="http://schemas.microsoft.com/office/drawing/2010/main" val="0"/>
+              </a:ext>
+            </a:extLst>
+          </a:blip>
+          <a:stretch>
+            <a:fillRect/>
+          </a:stretch>
+        </p:blipFill>
         <p:spPr>
           <a:xfrm>
-            <a:off x="289560" y="2766219"/>
-            <a:ext cx="11064240" cy="1790541"/>
+            <a:off x="152400" y="1812758"/>
+            <a:ext cx="11785600" cy="3080084"/>
           </a:xfrm>
+          <a:prstGeom prst="rect">
+            <a:avLst/>
+          </a:prstGeom>
         </p:spPr>
-        <p:txBody>
-          <a:bodyPr>
-            <a:noAutofit/>
-          </a:bodyPr>
-          <a:lstStyle/>
-          <a:p>
-            <a:r>
-              <a:rPr lang="en-US" sz="8800" b="1" u="sng" dirty="0" smtClean="0"/>
-              <a:t>DEVOPS ENABLER</a:t>
-            </a:r>
-            <a:endParaRPr lang="en-US" sz="8800" b="1" u="sng" dirty="0"/>
-          </a:p>
-        </p:txBody>
-      </p:sp>
+      </p:pic>
     </p:spTree>
     <p:extLst>
       <p:ext uri="{BB962C8B-B14F-4D97-AF65-F5344CB8AC3E}">
-        <p14:creationId xmlns:p14="http://schemas.microsoft.com/office/powerpoint/2010/main" val="1964855129"/>
+        <p14:creationId xmlns:p14="http://schemas.microsoft.com/office/powerpoint/2010/main" val="1809413045"/>
       </p:ext>
     </p:extLst>
   </p:cSld>
@@ -4597,7 +4646,7 @@
       </p:sp>
       <p:sp>
         <p:nvSpPr>
-          <p:cNvPr id="2" name="Title 1"/>
+          <p:cNvPr id="5" name="Title 4"/>
           <p:cNvSpPr>
             <a:spLocks noGrp="1"/>
           </p:cNvSpPr>
@@ -4605,62 +4654,49 @@
             <p:ph type="title"/>
           </p:nvPr>
         </p:nvSpPr>
+        <p:spPr/>
+        <p:txBody>
+          <a:bodyPr/>
+          <a:lstStyle/>
+          <a:p>
+            <a:endParaRPr lang="en-US"/>
+          </a:p>
+        </p:txBody>
+      </p:sp>
+      <p:pic>
+        <p:nvPicPr>
+          <p:cNvPr id="4" name="Picture 3"/>
+          <p:cNvPicPr>
+            <a:picLocks noChangeAspect="1"/>
+          </p:cNvPicPr>
+          <p:nvPr/>
+        </p:nvPicPr>
+        <p:blipFill>
+          <a:blip r:embed="rId3">
+            <a:extLst>
+              <a:ext uri="{28A0092B-C50C-407E-A947-70E740481C1C}">
+                <a14:useLocalDpi xmlns:a14="http://schemas.microsoft.com/office/drawing/2010/main" val="0"/>
+              </a:ext>
+            </a:extLst>
+          </a:blip>
+          <a:stretch>
+            <a:fillRect/>
+          </a:stretch>
+        </p:blipFill>
         <p:spPr>
           <a:xfrm>
-            <a:off x="289560" y="2766219"/>
-            <a:ext cx="11064240" cy="1790541"/>
+            <a:off x="215905" y="1464390"/>
+            <a:ext cx="11760190" cy="3723446"/>
           </a:xfrm>
+          <a:prstGeom prst="rect">
+            <a:avLst/>
+          </a:prstGeom>
         </p:spPr>
-        <p:txBody>
-          <a:bodyPr>
-            <a:noAutofit/>
-          </a:bodyPr>
-          <a:lstStyle/>
-          <a:p>
-            <a:r>
-              <a:rPr lang="is-IS" sz="5400" dirty="0" smtClean="0">
-                <a:latin typeface="Courier" charset="0"/>
-                <a:ea typeface="Courier" charset="0"/>
-                <a:cs typeface="Courier" charset="0"/>
-              </a:rPr>
-              <a:t>… </a:t>
-            </a:r>
-            <a:r>
-              <a:rPr lang="en-US" sz="5400" dirty="0" err="1" smtClean="0">
-                <a:latin typeface="Courier" charset="0"/>
-                <a:ea typeface="Courier" charset="0"/>
-                <a:cs typeface="Courier" charset="0"/>
-              </a:rPr>
-              <a:t>Autobuild</a:t>
-            </a:r>
-            <a:r>
-              <a:rPr lang="en-US" sz="5400" dirty="0" smtClean="0">
-                <a:latin typeface="Courier" charset="0"/>
-                <a:ea typeface="Courier" charset="0"/>
-                <a:cs typeface="Courier" charset="0"/>
-              </a:rPr>
-              <a:t> </a:t>
-            </a:r>
-            <a:r>
-              <a:rPr lang="en-US" sz="5400" dirty="0" smtClean="0">
-                <a:latin typeface="Courier" charset="0"/>
-                <a:ea typeface="Courier" charset="0"/>
-                <a:cs typeface="Courier" charset="0"/>
-              </a:rPr>
-              <a:t>Coffee Scripts</a:t>
-            </a:r>
-            <a:endParaRPr lang="en-US" sz="5400" dirty="0">
-              <a:latin typeface="Courier" charset="0"/>
-              <a:ea typeface="Courier" charset="0"/>
-              <a:cs typeface="Courier" charset="0"/>
-            </a:endParaRPr>
-          </a:p>
-        </p:txBody>
-      </p:sp>
+      </p:pic>
     </p:spTree>
     <p:extLst>
       <p:ext uri="{BB962C8B-B14F-4D97-AF65-F5344CB8AC3E}">
-        <p14:creationId xmlns:p14="http://schemas.microsoft.com/office/powerpoint/2010/main" val="274472225"/>
+        <p14:creationId xmlns:p14="http://schemas.microsoft.com/office/powerpoint/2010/main" val="128035827"/>
       </p:ext>
     </p:extLst>
   </p:cSld>
@@ -4864,20 +4900,12 @@
               <a:t>… </a:t>
             </a:r>
             <a:r>
-              <a:rPr lang="en-US" sz="5400" dirty="0" err="1" smtClean="0"/>
-              <a:t>git</a:t>
+              <a:rPr lang="en-US" sz="5400" dirty="0" smtClean="0"/>
+              <a:t>Immediate </a:t>
             </a:r>
             <a:r>
               <a:rPr lang="en-US" sz="5400" dirty="0" smtClean="0"/>
-              <a:t>, </a:t>
-            </a:r>
-            <a:r>
-              <a:rPr lang="en-US" sz="5400" dirty="0" smtClean="0"/>
-              <a:t>CI pipeline, </a:t>
-            </a:r>
-            <a:r>
-              <a:rPr lang="en-US" sz="5400" dirty="0" err="1" smtClean="0"/>
-              <a:t>Hubot</a:t>
+              <a:t>gratification</a:t>
             </a:r>
             <a:endParaRPr lang="en-US" sz="5400" dirty="0">
               <a:latin typeface="Courier" charset="0"/>
@@ -4890,7 +4918,7 @@
     </p:spTree>
     <p:extLst>
       <p:ext uri="{BB962C8B-B14F-4D97-AF65-F5344CB8AC3E}">
-        <p14:creationId xmlns:p14="http://schemas.microsoft.com/office/powerpoint/2010/main" val="276844321"/>
+        <p14:creationId xmlns:p14="http://schemas.microsoft.com/office/powerpoint/2010/main" val="229031341"/>
       </p:ext>
     </p:extLst>
   </p:cSld>
@@ -4979,16 +5007,36 @@
           <a:lstStyle/>
           <a:p>
             <a:r>
-              <a:rPr lang="is-IS" sz="5400" dirty="0" smtClean="0"/>
+              <a:rPr lang="is-IS" sz="5400" dirty="0" smtClean="0">
+                <a:latin typeface="Courier" charset="0"/>
+                <a:ea typeface="Courier" charset="0"/>
+                <a:cs typeface="Courier" charset="0"/>
+              </a:rPr>
               <a:t>… </a:t>
             </a:r>
             <a:r>
-              <a:rPr lang="en-US" sz="5400" dirty="0" smtClean="0"/>
-              <a:t>Immediate </a:t>
+              <a:rPr lang="en-US" sz="5400" dirty="0" err="1" smtClean="0">
+                <a:latin typeface="Courier" charset="0"/>
+                <a:ea typeface="Courier" charset="0"/>
+                <a:cs typeface="Courier" charset="0"/>
+              </a:rPr>
+              <a:t>Autobuild</a:t>
             </a:r>
             <a:r>
-              <a:rPr lang="en-US" sz="5400" dirty="0" smtClean="0"/>
-              <a:t>gratification</a:t>
+              <a:rPr lang="en-US" sz="5400" dirty="0" smtClean="0">
+                <a:latin typeface="Courier" charset="0"/>
+                <a:ea typeface="Courier" charset="0"/>
+                <a:cs typeface="Courier" charset="0"/>
+              </a:rPr>
+              <a:t> </a:t>
+            </a:r>
+            <a:r>
+              <a:rPr lang="en-US" sz="5400" dirty="0" smtClean="0">
+                <a:latin typeface="Courier" charset="0"/>
+                <a:ea typeface="Courier" charset="0"/>
+                <a:cs typeface="Courier" charset="0"/>
+              </a:rPr>
+              <a:t>Coffee Scripts</a:t>
             </a:r>
             <a:endParaRPr lang="en-US" sz="5400" dirty="0">
               <a:latin typeface="Courier" charset="0"/>
@@ -5001,7 +5049,7 @@
     </p:spTree>
     <p:extLst>
       <p:ext uri="{BB962C8B-B14F-4D97-AF65-F5344CB8AC3E}">
-        <p14:creationId xmlns:p14="http://schemas.microsoft.com/office/powerpoint/2010/main" val="229031341"/>
+        <p14:creationId xmlns:p14="http://schemas.microsoft.com/office/powerpoint/2010/main" val="274472225"/>
       </p:ext>
     </p:extLst>
   </p:cSld>
@@ -5090,17 +5138,37 @@
           <a:lstStyle/>
           <a:p>
             <a:r>
-              <a:rPr lang="en-US" sz="8800" b="1" u="sng" dirty="0" smtClean="0"/>
-              <a:t>REDUCED FRICTION</a:t>
+              <a:rPr lang="is-IS" sz="5400" dirty="0" smtClean="0"/>
+              <a:t>… </a:t>
             </a:r>
-            <a:endParaRPr lang="en-US" sz="8800" b="1" u="sng" dirty="0"/>
+            <a:r>
+              <a:rPr lang="en-US" sz="5400" dirty="0" err="1" smtClean="0"/>
+              <a:t>git</a:t>
+            </a:r>
+            <a:r>
+              <a:rPr lang="en-US" sz="5400" dirty="0" smtClean="0"/>
+              <a:t>, </a:t>
+            </a:r>
+            <a:r>
+              <a:rPr lang="en-US" sz="5400" dirty="0" smtClean="0"/>
+              <a:t>CI pipeline, </a:t>
+            </a:r>
+            <a:r>
+              <a:rPr lang="en-US" sz="5400" dirty="0" err="1" smtClean="0"/>
+              <a:t>Hubot</a:t>
+            </a:r>
+            <a:endParaRPr lang="en-US" sz="5400" dirty="0">
+              <a:latin typeface="Courier" charset="0"/>
+              <a:ea typeface="Courier" charset="0"/>
+              <a:cs typeface="Courier" charset="0"/>
+            </a:endParaRPr>
           </a:p>
         </p:txBody>
       </p:sp>
     </p:spTree>
     <p:extLst>
       <p:ext uri="{BB962C8B-B14F-4D97-AF65-F5344CB8AC3E}">
-        <p14:creationId xmlns:p14="http://schemas.microsoft.com/office/powerpoint/2010/main" val="448964793"/>
+        <p14:creationId xmlns:p14="http://schemas.microsoft.com/office/powerpoint/2010/main" val="276844321"/>
       </p:ext>
     </p:extLst>
   </p:cSld>
@@ -5166,44 +5234,40 @@
           </a:p>
         </p:txBody>
       </p:sp>
-      <p:sp>
-        <p:nvSpPr>
-          <p:cNvPr id="2" name="Title 1"/>
-          <p:cNvSpPr>
-            <a:spLocks noGrp="1"/>
-          </p:cNvSpPr>
-          <p:nvPr>
-            <p:ph type="title"/>
-          </p:nvPr>
-        </p:nvSpPr>
+      <p:pic>
+        <p:nvPicPr>
+          <p:cNvPr id="4" name="Picture 3"/>
+          <p:cNvPicPr>
+            <a:picLocks noChangeAspect="1"/>
+          </p:cNvPicPr>
+          <p:nvPr/>
+        </p:nvPicPr>
+        <p:blipFill>
+          <a:blip r:embed="rId3">
+            <a:extLst>
+              <a:ext uri="{28A0092B-C50C-407E-A947-70E740481C1C}">
+                <a14:useLocalDpi xmlns:a14="http://schemas.microsoft.com/office/drawing/2010/main" val="0"/>
+              </a:ext>
+            </a:extLst>
+          </a:blip>
+          <a:stretch>
+            <a:fillRect/>
+          </a:stretch>
+        </p:blipFill>
         <p:spPr>
           <a:xfrm>
-            <a:off x="289560" y="2766219"/>
-            <a:ext cx="11064240" cy="1790541"/>
+            <a:off x="228600" y="393779"/>
+            <a:ext cx="11675560" cy="5600621"/>
           </a:xfrm>
+          <a:prstGeom prst="rect">
+            <a:avLst/>
+          </a:prstGeom>
         </p:spPr>
-        <p:txBody>
-          <a:bodyPr>
-            <a:noAutofit/>
-          </a:bodyPr>
-          <a:lstStyle/>
-          <a:p>
-            <a:r>
-              <a:rPr lang="is-IS" sz="5400" dirty="0" smtClean="0"/>
-              <a:t>… permissions</a:t>
-            </a:r>
-            <a:endParaRPr lang="en-US" sz="5400" dirty="0">
-              <a:latin typeface="Courier" charset="0"/>
-              <a:ea typeface="Courier" charset="0"/>
-              <a:cs typeface="Courier" charset="0"/>
-            </a:endParaRPr>
-          </a:p>
-        </p:txBody>
-      </p:sp>
+      </p:pic>
     </p:spTree>
     <p:extLst>
       <p:ext uri="{BB962C8B-B14F-4D97-AF65-F5344CB8AC3E}">
-        <p14:creationId xmlns:p14="http://schemas.microsoft.com/office/powerpoint/2010/main" val="711198599"/>
+        <p14:creationId xmlns:p14="http://schemas.microsoft.com/office/powerpoint/2010/main" val="448964793"/>
       </p:ext>
     </p:extLst>
   </p:cSld>
@@ -5293,7 +5357,7 @@
           <a:p>
             <a:r>
               <a:rPr lang="is-IS" sz="5400" dirty="0" smtClean="0"/>
-              <a:t>… dependencies</a:t>
+              <a:t>… permissions</a:t>
             </a:r>
             <a:endParaRPr lang="en-US" sz="5400" dirty="0">
               <a:latin typeface="Courier" charset="0"/>
@@ -5306,7 +5370,7 @@
     </p:spTree>
     <p:extLst>
       <p:ext uri="{BB962C8B-B14F-4D97-AF65-F5344CB8AC3E}">
-        <p14:creationId xmlns:p14="http://schemas.microsoft.com/office/powerpoint/2010/main" val="1175275077"/>
+        <p14:creationId xmlns:p14="http://schemas.microsoft.com/office/powerpoint/2010/main" val="711198599"/>
       </p:ext>
     </p:extLst>
   </p:cSld>

--- a/2017-04-10 Denver DevOpsDays/DevOpsDays Denver.pptx
+++ b/2017-04-10 Denver DevOpsDays/DevOpsDays Denver.pptx
@@ -12,25 +12,25 @@
   </p:handoutMasterIdLst>
   <p:sldIdLst>
     <p:sldId id="349" r:id="rId2"/>
-    <p:sldId id="348" r:id="rId3"/>
-    <p:sldId id="331" r:id="rId4"/>
+    <p:sldId id="354" r:id="rId3"/>
+    <p:sldId id="348" r:id="rId4"/>
     <p:sldId id="332" r:id="rId5"/>
-    <p:sldId id="334" r:id="rId6"/>
-    <p:sldId id="330" r:id="rId7"/>
-    <p:sldId id="333" r:id="rId8"/>
-    <p:sldId id="335" r:id="rId9"/>
-    <p:sldId id="336" r:id="rId10"/>
-    <p:sldId id="337" r:id="rId11"/>
-    <p:sldId id="338" r:id="rId12"/>
-    <p:sldId id="339" r:id="rId13"/>
-    <p:sldId id="340" r:id="rId14"/>
-    <p:sldId id="341" r:id="rId15"/>
-    <p:sldId id="342" r:id="rId16"/>
-    <p:sldId id="343" r:id="rId17"/>
-    <p:sldId id="345" r:id="rId18"/>
-    <p:sldId id="346" r:id="rId19"/>
-    <p:sldId id="347" r:id="rId20"/>
-    <p:sldId id="350" r:id="rId21"/>
+    <p:sldId id="351" r:id="rId6"/>
+    <p:sldId id="334" r:id="rId7"/>
+    <p:sldId id="330" r:id="rId8"/>
+    <p:sldId id="333" r:id="rId9"/>
+    <p:sldId id="352" r:id="rId10"/>
+    <p:sldId id="336" r:id="rId11"/>
+    <p:sldId id="337" r:id="rId12"/>
+    <p:sldId id="338" r:id="rId13"/>
+    <p:sldId id="339" r:id="rId14"/>
+    <p:sldId id="340" r:id="rId15"/>
+    <p:sldId id="341" r:id="rId16"/>
+    <p:sldId id="342" r:id="rId17"/>
+    <p:sldId id="353" r:id="rId18"/>
+    <p:sldId id="345" r:id="rId19"/>
+    <p:sldId id="346" r:id="rId20"/>
+    <p:sldId id="347" r:id="rId21"/>
   </p:sldIdLst>
   <p:sldSz cx="12192000" cy="6858000"/>
   <p:notesSz cx="7010400" cy="9296400"/>
@@ -715,6 +715,22 @@
           <a:bodyPr/>
           <a:lstStyle/>
           <a:p>
+            <a:r>
+              <a:rPr lang="en-US" sz="1200" dirty="0" smtClean="0"/>
+              <a:t>Excited</a:t>
+            </a:r>
+            <a:r>
+              <a:rPr lang="en-US" sz="1200" baseline="0" dirty="0" smtClean="0"/>
+              <a:t> because </a:t>
+            </a:r>
+            <a:r>
+              <a:rPr lang="en-US" sz="1200" baseline="0" dirty="0" err="1" smtClean="0"/>
+              <a:t>ChatOps</a:t>
+            </a:r>
+            <a:r>
+              <a:rPr lang="en-US" sz="1200" baseline="0" dirty="0" smtClean="0"/>
+              <a:t> is transformative.  </a:t>
+            </a:r>
             <a:endParaRPr lang="en-US" sz="1200" dirty="0" smtClean="0"/>
           </a:p>
         </p:txBody>
@@ -829,7 +845,7 @@
     </p:spTree>
     <p:extLst>
       <p:ext uri="{BB962C8B-B14F-4D97-AF65-F5344CB8AC3E}">
-        <p14:creationId xmlns:p14="http://schemas.microsoft.com/office/powerpoint/2010/main" val="293634033"/>
+        <p14:creationId xmlns:p14="http://schemas.microsoft.com/office/powerpoint/2010/main" val="220874191"/>
       </p:ext>
     </p:extLst>
   </p:cSld>
@@ -913,7 +929,7 @@
     </p:spTree>
     <p:extLst>
       <p:ext uri="{BB962C8B-B14F-4D97-AF65-F5344CB8AC3E}">
-        <p14:creationId xmlns:p14="http://schemas.microsoft.com/office/powerpoint/2010/main" val="2027043380"/>
+        <p14:creationId xmlns:p14="http://schemas.microsoft.com/office/powerpoint/2010/main" val="293634033"/>
       </p:ext>
     </p:extLst>
   </p:cSld>
@@ -997,7 +1013,7 @@
     </p:spTree>
     <p:extLst>
       <p:ext uri="{BB962C8B-B14F-4D97-AF65-F5344CB8AC3E}">
-        <p14:creationId xmlns:p14="http://schemas.microsoft.com/office/powerpoint/2010/main" val="1399202729"/>
+        <p14:creationId xmlns:p14="http://schemas.microsoft.com/office/powerpoint/2010/main" val="2027043380"/>
       </p:ext>
     </p:extLst>
   </p:cSld>
@@ -1081,7 +1097,7 @@
     </p:spTree>
     <p:extLst>
       <p:ext uri="{BB962C8B-B14F-4D97-AF65-F5344CB8AC3E}">
-        <p14:creationId xmlns:p14="http://schemas.microsoft.com/office/powerpoint/2010/main" val="1851592101"/>
+        <p14:creationId xmlns:p14="http://schemas.microsoft.com/office/powerpoint/2010/main" val="1399202729"/>
       </p:ext>
     </p:extLst>
   </p:cSld>
@@ -1165,7 +1181,7 @@
     </p:spTree>
     <p:extLst>
       <p:ext uri="{BB962C8B-B14F-4D97-AF65-F5344CB8AC3E}">
-        <p14:creationId xmlns:p14="http://schemas.microsoft.com/office/powerpoint/2010/main" val="1092850286"/>
+        <p14:creationId xmlns:p14="http://schemas.microsoft.com/office/powerpoint/2010/main" val="1851592101"/>
       </p:ext>
     </p:extLst>
   </p:cSld>
@@ -1249,7 +1265,7 @@
     </p:spTree>
     <p:extLst>
       <p:ext uri="{BB962C8B-B14F-4D97-AF65-F5344CB8AC3E}">
-        <p14:creationId xmlns:p14="http://schemas.microsoft.com/office/powerpoint/2010/main" val="357249835"/>
+        <p14:creationId xmlns:p14="http://schemas.microsoft.com/office/powerpoint/2010/main" val="1092850286"/>
       </p:ext>
     </p:extLst>
   </p:cSld>
@@ -1333,7 +1349,7 @@
     </p:spTree>
     <p:extLst>
       <p:ext uri="{BB962C8B-B14F-4D97-AF65-F5344CB8AC3E}">
-        <p14:creationId xmlns:p14="http://schemas.microsoft.com/office/powerpoint/2010/main" val="1414984021"/>
+        <p14:creationId xmlns:p14="http://schemas.microsoft.com/office/powerpoint/2010/main" val="357249835"/>
       </p:ext>
     </p:extLst>
   </p:cSld>
@@ -1417,7 +1433,7 @@
     </p:spTree>
     <p:extLst>
       <p:ext uri="{BB962C8B-B14F-4D97-AF65-F5344CB8AC3E}">
-        <p14:creationId xmlns:p14="http://schemas.microsoft.com/office/powerpoint/2010/main" val="467239564"/>
+        <p14:creationId xmlns:p14="http://schemas.microsoft.com/office/powerpoint/2010/main" val="1809149328"/>
       </p:ext>
     </p:extLst>
   </p:cSld>
@@ -1501,7 +1517,7 @@
     </p:spTree>
     <p:extLst>
       <p:ext uri="{BB962C8B-B14F-4D97-AF65-F5344CB8AC3E}">
-        <p14:creationId xmlns:p14="http://schemas.microsoft.com/office/powerpoint/2010/main" val="1435496023"/>
+        <p14:creationId xmlns:p14="http://schemas.microsoft.com/office/powerpoint/2010/main" val="467239564"/>
       </p:ext>
     </p:extLst>
   </p:cSld>
@@ -1585,7 +1601,7 @@
     </p:spTree>
     <p:extLst>
       <p:ext uri="{BB962C8B-B14F-4D97-AF65-F5344CB8AC3E}">
-        <p14:creationId xmlns:p14="http://schemas.microsoft.com/office/powerpoint/2010/main" val="35757246"/>
+        <p14:creationId xmlns:p14="http://schemas.microsoft.com/office/powerpoint/2010/main" val="1435496023"/>
       </p:ext>
     </p:extLst>
   </p:cSld>
@@ -1669,7 +1685,7 @@
     </p:spTree>
     <p:extLst>
       <p:ext uri="{BB962C8B-B14F-4D97-AF65-F5344CB8AC3E}">
-        <p14:creationId xmlns:p14="http://schemas.microsoft.com/office/powerpoint/2010/main" val="1464113184"/>
+        <p14:creationId xmlns:p14="http://schemas.microsoft.com/office/powerpoint/2010/main" val="217020618"/>
       </p:ext>
     </p:extLst>
   </p:cSld>
@@ -1753,7 +1769,7 @@
     </p:spTree>
     <p:extLst>
       <p:ext uri="{BB962C8B-B14F-4D97-AF65-F5344CB8AC3E}">
-        <p14:creationId xmlns:p14="http://schemas.microsoft.com/office/powerpoint/2010/main" val="289122148"/>
+        <p14:creationId xmlns:p14="http://schemas.microsoft.com/office/powerpoint/2010/main" val="35757246"/>
       </p:ext>
     </p:extLst>
   </p:cSld>
@@ -1807,6 +1823,14 @@
           <a:bodyPr/>
           <a:lstStyle/>
           <a:p>
+            <a:r>
+              <a:rPr lang="en-US" sz="1200" dirty="0" err="1" smtClean="0"/>
+              <a:t>ChatOps</a:t>
+            </a:r>
+            <a:r>
+              <a:rPr lang="en-US" sz="1200" baseline="0" dirty="0" smtClean="0"/>
+              <a:t> enables engineers to spend more time up front automating/testing and all members of the team can then monitor</a:t>
+            </a:r>
             <a:endParaRPr lang="en-US" sz="1200" dirty="0" smtClean="0"/>
           </a:p>
         </p:txBody>
@@ -1837,7 +1861,7 @@
     </p:spTree>
     <p:extLst>
       <p:ext uri="{BB962C8B-B14F-4D97-AF65-F5344CB8AC3E}">
-        <p14:creationId xmlns:p14="http://schemas.microsoft.com/office/powerpoint/2010/main" val="119530095"/>
+        <p14:creationId xmlns:p14="http://schemas.microsoft.com/office/powerpoint/2010/main" val="1464113184"/>
       </p:ext>
     </p:extLst>
   </p:cSld>
@@ -2005,7 +2029,7 @@
     </p:spTree>
     <p:extLst>
       <p:ext uri="{BB962C8B-B14F-4D97-AF65-F5344CB8AC3E}">
-        <p14:creationId xmlns:p14="http://schemas.microsoft.com/office/powerpoint/2010/main" val="1039052763"/>
+        <p14:creationId xmlns:p14="http://schemas.microsoft.com/office/powerpoint/2010/main" val="133802957"/>
       </p:ext>
     </p:extLst>
   </p:cSld>
@@ -2089,7 +2113,7 @@
     </p:spTree>
     <p:extLst>
       <p:ext uri="{BB962C8B-B14F-4D97-AF65-F5344CB8AC3E}">
-        <p14:creationId xmlns:p14="http://schemas.microsoft.com/office/powerpoint/2010/main" val="259811819"/>
+        <p14:creationId xmlns:p14="http://schemas.microsoft.com/office/powerpoint/2010/main" val="1039052763"/>
       </p:ext>
     </p:extLst>
   </p:cSld>
@@ -2173,7 +2197,7 @@
     </p:spTree>
     <p:extLst>
       <p:ext uri="{BB962C8B-B14F-4D97-AF65-F5344CB8AC3E}">
-        <p14:creationId xmlns:p14="http://schemas.microsoft.com/office/powerpoint/2010/main" val="1472923645"/>
+        <p14:creationId xmlns:p14="http://schemas.microsoft.com/office/powerpoint/2010/main" val="259811819"/>
       </p:ext>
     </p:extLst>
   </p:cSld>
@@ -2257,7 +2281,7 @@
     </p:spTree>
     <p:extLst>
       <p:ext uri="{BB962C8B-B14F-4D97-AF65-F5344CB8AC3E}">
-        <p14:creationId xmlns:p14="http://schemas.microsoft.com/office/powerpoint/2010/main" val="1641224040"/>
+        <p14:creationId xmlns:p14="http://schemas.microsoft.com/office/powerpoint/2010/main" val="1472923645"/>
       </p:ext>
     </p:extLst>
   </p:cSld>
@@ -2341,7 +2365,7 @@
     </p:spTree>
     <p:extLst>
       <p:ext uri="{BB962C8B-B14F-4D97-AF65-F5344CB8AC3E}">
-        <p14:creationId xmlns:p14="http://schemas.microsoft.com/office/powerpoint/2010/main" val="220874191"/>
+        <p14:creationId xmlns:p14="http://schemas.microsoft.com/office/powerpoint/2010/main" val="411707927"/>
       </p:ext>
     </p:extLst>
   </p:cSld>
@@ -3387,7 +3411,7 @@
           <a:p>
             <a:r>
               <a:rPr lang="is-IS" sz="5400" dirty="0" smtClean="0"/>
-              <a:t>… dependencies</a:t>
+              <a:t>… permissions</a:t>
             </a:r>
             <a:endParaRPr lang="en-US" sz="5400" dirty="0">
               <a:latin typeface="Courier" charset="0"/>
@@ -3397,10 +3421,81 @@
           </a:p>
         </p:txBody>
       </p:sp>
+      <p:sp>
+        <p:nvSpPr>
+          <p:cNvPr id="4" name="Title 1"/>
+          <p:cNvSpPr txBox="1">
+            <a:spLocks/>
+          </p:cNvSpPr>
+          <p:nvPr/>
+        </p:nvSpPr>
+        <p:spPr>
+          <a:xfrm>
+            <a:off x="289560" y="406400"/>
+            <a:ext cx="11064240" cy="5641473"/>
+          </a:xfrm>
+          <a:prstGeom prst="rect">
+            <a:avLst/>
+          </a:prstGeom>
+        </p:spPr>
+        <p:txBody>
+          <a:bodyPr vert="horz" lIns="91440" tIns="45720" rIns="91440" bIns="45720" rtlCol="0" anchor="t">
+            <a:noAutofit/>
+          </a:bodyPr>
+          <a:lstStyle>
+            <a:lvl1pPr algn="ctr" defTabSz="914400" rtl="0" eaLnBrk="1" latinLnBrk="0" hangingPunct="1">
+              <a:lnSpc>
+                <a:spcPct val="90000"/>
+              </a:lnSpc>
+              <a:spcBef>
+                <a:spcPct val="0"/>
+              </a:spcBef>
+              <a:buNone/>
+              <a:defRPr sz="4400" kern="1200">
+                <a:solidFill>
+                  <a:schemeClr val="bg1"/>
+                </a:solidFill>
+                <a:latin typeface="Courier" charset="0"/>
+                <a:ea typeface="Courier" charset="0"/>
+                <a:cs typeface="Courier" charset="0"/>
+              </a:defRPr>
+            </a:lvl1pPr>
+          </a:lstStyle>
+          <a:p>
+            <a:pPr algn="l"/>
+            <a:r>
+              <a:rPr lang="en-US" sz="5400" dirty="0" smtClean="0">
+                <a:solidFill>
+                  <a:schemeClr val="bg1">
+                    <a:lumMod val="65000"/>
+                  </a:schemeClr>
+                </a:solidFill>
+              </a:rPr>
+              <a:t>fric·tion</a:t>
+            </a:r>
+            <a:br>
+              <a:rPr lang="en-US" sz="5400" dirty="0" smtClean="0">
+                <a:solidFill>
+                  <a:schemeClr val="bg1">
+                    <a:lumMod val="65000"/>
+                  </a:schemeClr>
+                </a:solidFill>
+              </a:rPr>
+            </a:br>
+            <a:endParaRPr lang="en-US" sz="4800" dirty="0">
+              <a:solidFill>
+                <a:schemeClr val="bg1">
+                  <a:lumMod val="65000"/>
+                </a:schemeClr>
+              </a:solidFill>
+            </a:endParaRPr>
+          </a:p>
+        </p:txBody>
+      </p:sp>
     </p:spTree>
     <p:extLst>
       <p:ext uri="{BB962C8B-B14F-4D97-AF65-F5344CB8AC3E}">
-        <p14:creationId xmlns:p14="http://schemas.microsoft.com/office/powerpoint/2010/main" val="1175275077"/>
+        <p14:creationId xmlns:p14="http://schemas.microsoft.com/office/powerpoint/2010/main" val="711198599"/>
       </p:ext>
     </p:extLst>
   </p:cSld>
@@ -3490,7 +3585,7 @@
           <a:p>
             <a:r>
               <a:rPr lang="is-IS" sz="5400" dirty="0" smtClean="0"/>
-              <a:t>… training &amp; experience</a:t>
+              <a:t>… dependencies</a:t>
             </a:r>
             <a:endParaRPr lang="en-US" sz="5400" dirty="0">
               <a:latin typeface="Courier" charset="0"/>
@@ -3500,10 +3595,81 @@
           </a:p>
         </p:txBody>
       </p:sp>
+      <p:sp>
+        <p:nvSpPr>
+          <p:cNvPr id="4" name="Title 1"/>
+          <p:cNvSpPr txBox="1">
+            <a:spLocks/>
+          </p:cNvSpPr>
+          <p:nvPr/>
+        </p:nvSpPr>
+        <p:spPr>
+          <a:xfrm>
+            <a:off x="289560" y="406400"/>
+            <a:ext cx="11064240" cy="5641473"/>
+          </a:xfrm>
+          <a:prstGeom prst="rect">
+            <a:avLst/>
+          </a:prstGeom>
+        </p:spPr>
+        <p:txBody>
+          <a:bodyPr vert="horz" lIns="91440" tIns="45720" rIns="91440" bIns="45720" rtlCol="0" anchor="t">
+            <a:noAutofit/>
+          </a:bodyPr>
+          <a:lstStyle>
+            <a:lvl1pPr algn="ctr" defTabSz="914400" rtl="0" eaLnBrk="1" latinLnBrk="0" hangingPunct="1">
+              <a:lnSpc>
+                <a:spcPct val="90000"/>
+              </a:lnSpc>
+              <a:spcBef>
+                <a:spcPct val="0"/>
+              </a:spcBef>
+              <a:buNone/>
+              <a:defRPr sz="4400" kern="1200">
+                <a:solidFill>
+                  <a:schemeClr val="bg1"/>
+                </a:solidFill>
+                <a:latin typeface="Courier" charset="0"/>
+                <a:ea typeface="Courier" charset="0"/>
+                <a:cs typeface="Courier" charset="0"/>
+              </a:defRPr>
+            </a:lvl1pPr>
+          </a:lstStyle>
+          <a:p>
+            <a:pPr algn="l"/>
+            <a:r>
+              <a:rPr lang="en-US" sz="5400" dirty="0" smtClean="0">
+                <a:solidFill>
+                  <a:schemeClr val="bg1">
+                    <a:lumMod val="65000"/>
+                  </a:schemeClr>
+                </a:solidFill>
+              </a:rPr>
+              <a:t>fric·tion</a:t>
+            </a:r>
+            <a:br>
+              <a:rPr lang="en-US" sz="5400" dirty="0" smtClean="0">
+                <a:solidFill>
+                  <a:schemeClr val="bg1">
+                    <a:lumMod val="65000"/>
+                  </a:schemeClr>
+                </a:solidFill>
+              </a:rPr>
+            </a:br>
+            <a:endParaRPr lang="en-US" sz="4800" dirty="0">
+              <a:solidFill>
+                <a:schemeClr val="bg1">
+                  <a:lumMod val="65000"/>
+                </a:schemeClr>
+              </a:solidFill>
+            </a:endParaRPr>
+          </a:p>
+        </p:txBody>
+      </p:sp>
     </p:spTree>
     <p:extLst>
       <p:ext uri="{BB962C8B-B14F-4D97-AF65-F5344CB8AC3E}">
-        <p14:creationId xmlns:p14="http://schemas.microsoft.com/office/powerpoint/2010/main" val="1227509666"/>
+        <p14:creationId xmlns:p14="http://schemas.microsoft.com/office/powerpoint/2010/main" val="1175275077"/>
       </p:ext>
     </p:extLst>
   </p:cSld>
@@ -3593,7 +3759,7 @@
           <a:p>
             <a:r>
               <a:rPr lang="is-IS" sz="5400" dirty="0" smtClean="0"/>
-              <a:t>… context</a:t>
+              <a:t>… training &amp; experience</a:t>
             </a:r>
             <a:endParaRPr lang="en-US" sz="5400" dirty="0">
               <a:latin typeface="Courier" charset="0"/>
@@ -3603,10 +3769,81 @@
           </a:p>
         </p:txBody>
       </p:sp>
+      <p:sp>
+        <p:nvSpPr>
+          <p:cNvPr id="4" name="Title 1"/>
+          <p:cNvSpPr txBox="1">
+            <a:spLocks/>
+          </p:cNvSpPr>
+          <p:nvPr/>
+        </p:nvSpPr>
+        <p:spPr>
+          <a:xfrm>
+            <a:off x="289560" y="406400"/>
+            <a:ext cx="11064240" cy="5641473"/>
+          </a:xfrm>
+          <a:prstGeom prst="rect">
+            <a:avLst/>
+          </a:prstGeom>
+        </p:spPr>
+        <p:txBody>
+          <a:bodyPr vert="horz" lIns="91440" tIns="45720" rIns="91440" bIns="45720" rtlCol="0" anchor="t">
+            <a:noAutofit/>
+          </a:bodyPr>
+          <a:lstStyle>
+            <a:lvl1pPr algn="ctr" defTabSz="914400" rtl="0" eaLnBrk="1" latinLnBrk="0" hangingPunct="1">
+              <a:lnSpc>
+                <a:spcPct val="90000"/>
+              </a:lnSpc>
+              <a:spcBef>
+                <a:spcPct val="0"/>
+              </a:spcBef>
+              <a:buNone/>
+              <a:defRPr sz="4400" kern="1200">
+                <a:solidFill>
+                  <a:schemeClr val="bg1"/>
+                </a:solidFill>
+                <a:latin typeface="Courier" charset="0"/>
+                <a:ea typeface="Courier" charset="0"/>
+                <a:cs typeface="Courier" charset="0"/>
+              </a:defRPr>
+            </a:lvl1pPr>
+          </a:lstStyle>
+          <a:p>
+            <a:pPr algn="l"/>
+            <a:r>
+              <a:rPr lang="en-US" sz="5400" dirty="0" smtClean="0">
+                <a:solidFill>
+                  <a:schemeClr val="bg1">
+                    <a:lumMod val="65000"/>
+                  </a:schemeClr>
+                </a:solidFill>
+              </a:rPr>
+              <a:t>fric·tion</a:t>
+            </a:r>
+            <a:br>
+              <a:rPr lang="en-US" sz="5400" dirty="0" smtClean="0">
+                <a:solidFill>
+                  <a:schemeClr val="bg1">
+                    <a:lumMod val="65000"/>
+                  </a:schemeClr>
+                </a:solidFill>
+              </a:rPr>
+            </a:br>
+            <a:endParaRPr lang="en-US" sz="4800" dirty="0">
+              <a:solidFill>
+                <a:schemeClr val="bg1">
+                  <a:lumMod val="65000"/>
+                </a:schemeClr>
+              </a:solidFill>
+            </a:endParaRPr>
+          </a:p>
+        </p:txBody>
+      </p:sp>
     </p:spTree>
     <p:extLst>
       <p:ext uri="{BB962C8B-B14F-4D97-AF65-F5344CB8AC3E}">
-        <p14:creationId xmlns:p14="http://schemas.microsoft.com/office/powerpoint/2010/main" val="533025138"/>
+        <p14:creationId xmlns:p14="http://schemas.microsoft.com/office/powerpoint/2010/main" val="1227509666"/>
       </p:ext>
     </p:extLst>
   </p:cSld>
@@ -3696,7 +3933,7 @@
           <a:p>
             <a:r>
               <a:rPr lang="is-IS" sz="5400" dirty="0" smtClean="0"/>
-              <a:t>… local resolution</a:t>
+              <a:t>… context</a:t>
             </a:r>
             <a:endParaRPr lang="en-US" sz="5400" dirty="0">
               <a:latin typeface="Courier" charset="0"/>
@@ -3706,10 +3943,81 @@
           </a:p>
         </p:txBody>
       </p:sp>
+      <p:sp>
+        <p:nvSpPr>
+          <p:cNvPr id="4" name="Title 1"/>
+          <p:cNvSpPr txBox="1">
+            <a:spLocks/>
+          </p:cNvSpPr>
+          <p:nvPr/>
+        </p:nvSpPr>
+        <p:spPr>
+          <a:xfrm>
+            <a:off x="289560" y="406400"/>
+            <a:ext cx="11064240" cy="5641473"/>
+          </a:xfrm>
+          <a:prstGeom prst="rect">
+            <a:avLst/>
+          </a:prstGeom>
+        </p:spPr>
+        <p:txBody>
+          <a:bodyPr vert="horz" lIns="91440" tIns="45720" rIns="91440" bIns="45720" rtlCol="0" anchor="t">
+            <a:noAutofit/>
+          </a:bodyPr>
+          <a:lstStyle>
+            <a:lvl1pPr algn="ctr" defTabSz="914400" rtl="0" eaLnBrk="1" latinLnBrk="0" hangingPunct="1">
+              <a:lnSpc>
+                <a:spcPct val="90000"/>
+              </a:lnSpc>
+              <a:spcBef>
+                <a:spcPct val="0"/>
+              </a:spcBef>
+              <a:buNone/>
+              <a:defRPr sz="4400" kern="1200">
+                <a:solidFill>
+                  <a:schemeClr val="bg1"/>
+                </a:solidFill>
+                <a:latin typeface="Courier" charset="0"/>
+                <a:ea typeface="Courier" charset="0"/>
+                <a:cs typeface="Courier" charset="0"/>
+              </a:defRPr>
+            </a:lvl1pPr>
+          </a:lstStyle>
+          <a:p>
+            <a:pPr algn="l"/>
+            <a:r>
+              <a:rPr lang="en-US" sz="5400" dirty="0" smtClean="0">
+                <a:solidFill>
+                  <a:schemeClr val="bg1">
+                    <a:lumMod val="65000"/>
+                  </a:schemeClr>
+                </a:solidFill>
+              </a:rPr>
+              <a:t>fric·tion</a:t>
+            </a:r>
+            <a:br>
+              <a:rPr lang="en-US" sz="5400" dirty="0" smtClean="0">
+                <a:solidFill>
+                  <a:schemeClr val="bg1">
+                    <a:lumMod val="65000"/>
+                  </a:schemeClr>
+                </a:solidFill>
+              </a:rPr>
+            </a:br>
+            <a:endParaRPr lang="en-US" sz="4800" dirty="0">
+              <a:solidFill>
+                <a:schemeClr val="bg1">
+                  <a:lumMod val="65000"/>
+                </a:schemeClr>
+              </a:solidFill>
+            </a:endParaRPr>
+          </a:p>
+        </p:txBody>
+      </p:sp>
     </p:spTree>
     <p:extLst>
       <p:ext uri="{BB962C8B-B14F-4D97-AF65-F5344CB8AC3E}">
-        <p14:creationId xmlns:p14="http://schemas.microsoft.com/office/powerpoint/2010/main" val="293221817"/>
+        <p14:creationId xmlns:p14="http://schemas.microsoft.com/office/powerpoint/2010/main" val="533025138"/>
       </p:ext>
     </p:extLst>
   </p:cSld>
@@ -3799,7 +4107,11 @@
           <a:p>
             <a:r>
               <a:rPr lang="is-IS" sz="5400" dirty="0" smtClean="0"/>
-              <a:t>… organization structure</a:t>
+              <a:t>… </a:t>
+            </a:r>
+            <a:r>
+              <a:rPr lang="is-IS" sz="5400" dirty="0" smtClean="0"/>
+              <a:t>timezone &amp; language</a:t>
             </a:r>
             <a:endParaRPr lang="en-US" sz="5400" dirty="0">
               <a:latin typeface="Courier" charset="0"/>
@@ -3809,10 +4121,81 @@
           </a:p>
         </p:txBody>
       </p:sp>
+      <p:sp>
+        <p:nvSpPr>
+          <p:cNvPr id="4" name="Title 1"/>
+          <p:cNvSpPr txBox="1">
+            <a:spLocks/>
+          </p:cNvSpPr>
+          <p:nvPr/>
+        </p:nvSpPr>
+        <p:spPr>
+          <a:xfrm>
+            <a:off x="289560" y="406400"/>
+            <a:ext cx="11064240" cy="5641473"/>
+          </a:xfrm>
+          <a:prstGeom prst="rect">
+            <a:avLst/>
+          </a:prstGeom>
+        </p:spPr>
+        <p:txBody>
+          <a:bodyPr vert="horz" lIns="91440" tIns="45720" rIns="91440" bIns="45720" rtlCol="0" anchor="t">
+            <a:noAutofit/>
+          </a:bodyPr>
+          <a:lstStyle>
+            <a:lvl1pPr algn="ctr" defTabSz="914400" rtl="0" eaLnBrk="1" latinLnBrk="0" hangingPunct="1">
+              <a:lnSpc>
+                <a:spcPct val="90000"/>
+              </a:lnSpc>
+              <a:spcBef>
+                <a:spcPct val="0"/>
+              </a:spcBef>
+              <a:buNone/>
+              <a:defRPr sz="4400" kern="1200">
+                <a:solidFill>
+                  <a:schemeClr val="bg1"/>
+                </a:solidFill>
+                <a:latin typeface="Courier" charset="0"/>
+                <a:ea typeface="Courier" charset="0"/>
+                <a:cs typeface="Courier" charset="0"/>
+              </a:defRPr>
+            </a:lvl1pPr>
+          </a:lstStyle>
+          <a:p>
+            <a:pPr algn="l"/>
+            <a:r>
+              <a:rPr lang="en-US" sz="5400" dirty="0" smtClean="0">
+                <a:solidFill>
+                  <a:schemeClr val="bg1">
+                    <a:lumMod val="65000"/>
+                  </a:schemeClr>
+                </a:solidFill>
+              </a:rPr>
+              <a:t>fric·tion</a:t>
+            </a:r>
+            <a:br>
+              <a:rPr lang="en-US" sz="5400" dirty="0" smtClean="0">
+                <a:solidFill>
+                  <a:schemeClr val="bg1">
+                    <a:lumMod val="65000"/>
+                  </a:schemeClr>
+                </a:solidFill>
+              </a:rPr>
+            </a:br>
+            <a:endParaRPr lang="en-US" sz="4800" dirty="0">
+              <a:solidFill>
+                <a:schemeClr val="bg1">
+                  <a:lumMod val="65000"/>
+                </a:schemeClr>
+              </a:solidFill>
+            </a:endParaRPr>
+          </a:p>
+        </p:txBody>
+      </p:sp>
     </p:spTree>
     <p:extLst>
       <p:ext uri="{BB962C8B-B14F-4D97-AF65-F5344CB8AC3E}">
-        <p14:creationId xmlns:p14="http://schemas.microsoft.com/office/powerpoint/2010/main" val="522912830"/>
+        <p14:creationId xmlns:p14="http://schemas.microsoft.com/office/powerpoint/2010/main" val="293221817"/>
       </p:ext>
     </p:extLst>
   </p:cSld>
@@ -3902,7 +4285,7 @@
           <a:p>
             <a:r>
               <a:rPr lang="is-IS" sz="5400" dirty="0" smtClean="0"/>
-              <a:t>… tribal knowledge</a:t>
+              <a:t>… organization structure</a:t>
             </a:r>
             <a:endParaRPr lang="en-US" sz="5400" dirty="0">
               <a:latin typeface="Courier" charset="0"/>
@@ -3912,10 +4295,81 @@
           </a:p>
         </p:txBody>
       </p:sp>
+      <p:sp>
+        <p:nvSpPr>
+          <p:cNvPr id="4" name="Title 1"/>
+          <p:cNvSpPr txBox="1">
+            <a:spLocks/>
+          </p:cNvSpPr>
+          <p:nvPr/>
+        </p:nvSpPr>
+        <p:spPr>
+          <a:xfrm>
+            <a:off x="289560" y="406400"/>
+            <a:ext cx="11064240" cy="5641473"/>
+          </a:xfrm>
+          <a:prstGeom prst="rect">
+            <a:avLst/>
+          </a:prstGeom>
+        </p:spPr>
+        <p:txBody>
+          <a:bodyPr vert="horz" lIns="91440" tIns="45720" rIns="91440" bIns="45720" rtlCol="0" anchor="t">
+            <a:noAutofit/>
+          </a:bodyPr>
+          <a:lstStyle>
+            <a:lvl1pPr algn="ctr" defTabSz="914400" rtl="0" eaLnBrk="1" latinLnBrk="0" hangingPunct="1">
+              <a:lnSpc>
+                <a:spcPct val="90000"/>
+              </a:lnSpc>
+              <a:spcBef>
+                <a:spcPct val="0"/>
+              </a:spcBef>
+              <a:buNone/>
+              <a:defRPr sz="4400" kern="1200">
+                <a:solidFill>
+                  <a:schemeClr val="bg1"/>
+                </a:solidFill>
+                <a:latin typeface="Courier" charset="0"/>
+                <a:ea typeface="Courier" charset="0"/>
+                <a:cs typeface="Courier" charset="0"/>
+              </a:defRPr>
+            </a:lvl1pPr>
+          </a:lstStyle>
+          <a:p>
+            <a:pPr algn="l"/>
+            <a:r>
+              <a:rPr lang="en-US" sz="5400" dirty="0" smtClean="0">
+                <a:solidFill>
+                  <a:schemeClr val="bg1">
+                    <a:lumMod val="65000"/>
+                  </a:schemeClr>
+                </a:solidFill>
+              </a:rPr>
+              <a:t>fric·tion</a:t>
+            </a:r>
+            <a:br>
+              <a:rPr lang="en-US" sz="5400" dirty="0" smtClean="0">
+                <a:solidFill>
+                  <a:schemeClr val="bg1">
+                    <a:lumMod val="65000"/>
+                  </a:schemeClr>
+                </a:solidFill>
+              </a:rPr>
+            </a:br>
+            <a:endParaRPr lang="en-US" sz="4800" dirty="0">
+              <a:solidFill>
+                <a:schemeClr val="bg1">
+                  <a:lumMod val="65000"/>
+                </a:schemeClr>
+              </a:solidFill>
+            </a:endParaRPr>
+          </a:p>
+        </p:txBody>
+      </p:sp>
     </p:spTree>
     <p:extLst>
       <p:ext uri="{BB962C8B-B14F-4D97-AF65-F5344CB8AC3E}">
-        <p14:creationId xmlns:p14="http://schemas.microsoft.com/office/powerpoint/2010/main" val="615632383"/>
+        <p14:creationId xmlns:p14="http://schemas.microsoft.com/office/powerpoint/2010/main" val="522912830"/>
       </p:ext>
     </p:extLst>
   </p:cSld>
@@ -3983,7 +4437,7 @@
       </p:sp>
       <p:sp>
         <p:nvSpPr>
-          <p:cNvPr id="4" name="Title 3"/>
+          <p:cNvPr id="2" name="Title 1"/>
           <p:cNvSpPr>
             <a:spLocks noGrp="1"/>
           </p:cNvSpPr>
@@ -3991,49 +4445,105 @@
             <p:ph type="title"/>
           </p:nvPr>
         </p:nvSpPr>
-        <p:spPr/>
-        <p:txBody>
-          <a:bodyPr/>
-          <a:lstStyle/>
-          <a:p>
-            <a:endParaRPr lang="en-US"/>
-          </a:p>
-        </p:txBody>
-      </p:sp>
-      <p:pic>
-        <p:nvPicPr>
-          <p:cNvPr id="5" name="Picture 4"/>
-          <p:cNvPicPr>
-            <a:picLocks noChangeAspect="1"/>
-          </p:cNvPicPr>
-          <p:nvPr/>
-        </p:nvPicPr>
-        <p:blipFill>
-          <a:blip r:embed="rId3">
-            <a:extLst>
-              <a:ext uri="{28A0092B-C50C-407E-A947-70E740481C1C}">
-                <a14:useLocalDpi xmlns:a14="http://schemas.microsoft.com/office/drawing/2010/main" val="0"/>
-              </a:ext>
-            </a:extLst>
-          </a:blip>
-          <a:stretch>
-            <a:fillRect/>
-          </a:stretch>
-        </p:blipFill>
         <p:spPr>
           <a:xfrm>
-            <a:off x="406400" y="332581"/>
-            <a:ext cx="11379200" cy="5580755"/>
+            <a:off x="289560" y="2766219"/>
+            <a:ext cx="11064240" cy="1790541"/>
+          </a:xfrm>
+        </p:spPr>
+        <p:txBody>
+          <a:bodyPr>
+            <a:noAutofit/>
+          </a:bodyPr>
+          <a:lstStyle/>
+          <a:p>
+            <a:r>
+              <a:rPr lang="is-IS" sz="5400" dirty="0" smtClean="0"/>
+              <a:t>… tribal knowledge</a:t>
+            </a:r>
+            <a:endParaRPr lang="en-US" sz="5400" dirty="0">
+              <a:latin typeface="Courier" charset="0"/>
+              <a:ea typeface="Courier" charset="0"/>
+              <a:cs typeface="Courier" charset="0"/>
+            </a:endParaRPr>
+          </a:p>
+        </p:txBody>
+      </p:sp>
+      <p:sp>
+        <p:nvSpPr>
+          <p:cNvPr id="4" name="Title 1"/>
+          <p:cNvSpPr txBox="1">
+            <a:spLocks/>
+          </p:cNvSpPr>
+          <p:nvPr/>
+        </p:nvSpPr>
+        <p:spPr>
+          <a:xfrm>
+            <a:off x="289560" y="406400"/>
+            <a:ext cx="11064240" cy="5641473"/>
           </a:xfrm>
           <a:prstGeom prst="rect">
             <a:avLst/>
           </a:prstGeom>
         </p:spPr>
-      </p:pic>
+        <p:txBody>
+          <a:bodyPr vert="horz" lIns="91440" tIns="45720" rIns="91440" bIns="45720" rtlCol="0" anchor="t">
+            <a:noAutofit/>
+          </a:bodyPr>
+          <a:lstStyle>
+            <a:lvl1pPr algn="ctr" defTabSz="914400" rtl="0" eaLnBrk="1" latinLnBrk="0" hangingPunct="1">
+              <a:lnSpc>
+                <a:spcPct val="90000"/>
+              </a:lnSpc>
+              <a:spcBef>
+                <a:spcPct val="0"/>
+              </a:spcBef>
+              <a:buNone/>
+              <a:defRPr sz="4400" kern="1200">
+                <a:solidFill>
+                  <a:schemeClr val="bg1"/>
+                </a:solidFill>
+                <a:latin typeface="Courier" charset="0"/>
+                <a:ea typeface="Courier" charset="0"/>
+                <a:cs typeface="Courier" charset="0"/>
+              </a:defRPr>
+            </a:lvl1pPr>
+          </a:lstStyle>
+          <a:p>
+            <a:pPr algn="l"/>
+            <a:r>
+              <a:rPr lang="en-US" sz="5400" dirty="0" smtClean="0">
+                <a:solidFill>
+                  <a:schemeClr val="bg1">
+                    <a:lumMod val="65000"/>
+                  </a:schemeClr>
+                </a:solidFill>
+              </a:rPr>
+              <a:t>fric·tion</a:t>
+            </a:r>
+            <a:br>
+              <a:rPr lang="en-US" sz="5400" dirty="0" smtClean="0">
+                <a:solidFill>
+                  <a:schemeClr val="bg1">
+                    <a:lumMod val="65000"/>
+                  </a:schemeClr>
+                </a:solidFill>
+              </a:rPr>
+            </a:br>
+            <a:endParaRPr lang="en-US" sz="4800" dirty="0">
+              <a:solidFill>
+                <a:schemeClr val="bg1">
+                  <a:lumMod val="65000"/>
+                </a:schemeClr>
+              </a:solidFill>
+            </a:endParaRPr>
+          </a:p>
+        </p:txBody>
+      </p:sp>
     </p:spTree>
     <p:extLst>
       <p:ext uri="{BB962C8B-B14F-4D97-AF65-F5344CB8AC3E}">
-        <p14:creationId xmlns:p14="http://schemas.microsoft.com/office/powerpoint/2010/main" val="2045221529"/>
+        <p14:creationId xmlns:p14="http://schemas.microsoft.com/office/powerpoint/2010/main" val="615632383"/>
       </p:ext>
     </p:extLst>
   </p:cSld>
@@ -4111,32 +4621,88 @@
         </p:nvSpPr>
         <p:spPr>
           <a:xfrm>
-            <a:off x="289560" y="2766219"/>
-            <a:ext cx="11064240" cy="1790541"/>
+            <a:off x="289560" y="406400"/>
+            <a:ext cx="11064240" cy="5641473"/>
           </a:xfrm>
         </p:spPr>
         <p:txBody>
-          <a:bodyPr>
+          <a:bodyPr anchor="t">
             <a:noAutofit/>
           </a:bodyPr>
           <a:lstStyle/>
           <a:p>
-            <a:r>
-              <a:rPr lang="is-IS" sz="5400" dirty="0" smtClean="0"/>
-              <a:t>… logging</a:t>
-            </a:r>
-            <a:endParaRPr lang="en-US" sz="5400" dirty="0">
-              <a:latin typeface="Courier" charset="0"/>
-              <a:ea typeface="Courier" charset="0"/>
-              <a:cs typeface="Courier" charset="0"/>
-            </a:endParaRPr>
+            <a:pPr algn="l"/>
+            <a:r>
+              <a:rPr lang="en-US" sz="5400" dirty="0" smtClean="0"/>
+              <a:t>trans·par·en·cy</a:t>
+            </a:r>
+            <a:br>
+              <a:rPr lang="en-US" sz="5400" dirty="0" smtClean="0"/>
+            </a:br>
+            <a:r>
+              <a:rPr lang="en-US" sz="3600" dirty="0"/>
+              <a:t>/</a:t>
+            </a:r>
+            <a:r>
+              <a:rPr lang="en-US" sz="3600" dirty="0" smtClean="0"/>
+              <a:t>tran</a:t>
+            </a:r>
+            <a:r>
+              <a:rPr lang="en-US" sz="3600" dirty="0"/>
+              <a:t>ˈsperənsē</a:t>
+            </a:r>
+            <a:r>
+              <a:rPr lang="en-US" sz="3600" dirty="0" smtClean="0"/>
+              <a:t>/</a:t>
+            </a:r>
+            <a:br>
+              <a:rPr lang="en-US" sz="3600" dirty="0" smtClean="0"/>
+            </a:br>
+            <a:r>
+              <a:rPr lang="en-US" sz="3600" dirty="0"/>
+              <a:t/>
+            </a:r>
+            <a:br>
+              <a:rPr lang="en-US" sz="3600" dirty="0"/>
+            </a:br>
+            <a:r>
+              <a:rPr lang="en-US" sz="3600" i="1" dirty="0" smtClean="0"/>
+              <a:t>noun</a:t>
+            </a:r>
+            <a:br>
+              <a:rPr lang="en-US" sz="3600" i="1" dirty="0" smtClean="0"/>
+            </a:br>
+            <a:r>
+              <a:rPr lang="en-US" sz="3600" dirty="0"/>
+              <a:t/>
+            </a:r>
+            <a:br>
+              <a:rPr lang="en-US" sz="3600" dirty="0"/>
+            </a:br>
+            <a:r>
+              <a:rPr lang="en-US" sz="3600" dirty="0"/>
+              <a:t>operating in such a way that it is easy for others to see what actions are performed. </a:t>
+            </a:r>
+            <a:r>
+              <a:rPr lang="en-US" sz="3600" dirty="0" smtClean="0"/>
+              <a:t>(implies </a:t>
+            </a:r>
+            <a:r>
+              <a:rPr lang="en-US" sz="3600" dirty="0"/>
+              <a:t>openness, communication, and </a:t>
+            </a:r>
+            <a:r>
+              <a:rPr lang="en-US" sz="3600" dirty="0" smtClean="0"/>
+              <a:t>accountability)</a:t>
+            </a:r>
+            <a:endParaRPr lang="en-US" sz="3600" dirty="0"/>
           </a:p>
         </p:txBody>
       </p:sp>
     </p:spTree>
     <p:extLst>
       <p:ext uri="{BB962C8B-B14F-4D97-AF65-F5344CB8AC3E}">
-        <p14:creationId xmlns:p14="http://schemas.microsoft.com/office/powerpoint/2010/main" val="1944352109"/>
+        <p14:creationId xmlns:p14="http://schemas.microsoft.com/office/powerpoint/2010/main" val="846221566"/>
       </p:ext>
     </p:extLst>
   </p:cSld>
@@ -4226,7 +4792,7 @@
           <a:p>
             <a:r>
               <a:rPr lang="is-IS" sz="5400" dirty="0" smtClean="0"/>
-              <a:t>… guardrails</a:t>
+              <a:t>… logging</a:t>
             </a:r>
             <a:endParaRPr lang="en-US" sz="5400" dirty="0">
               <a:latin typeface="Courier" charset="0"/>
@@ -4236,10 +4802,72 @@
           </a:p>
         </p:txBody>
       </p:sp>
+      <p:sp>
+        <p:nvSpPr>
+          <p:cNvPr id="4" name="Title 1"/>
+          <p:cNvSpPr txBox="1">
+            <a:spLocks/>
+          </p:cNvSpPr>
+          <p:nvPr/>
+        </p:nvSpPr>
+        <p:spPr>
+          <a:xfrm>
+            <a:off x="289560" y="406400"/>
+            <a:ext cx="11064240" cy="5641473"/>
+          </a:xfrm>
+          <a:prstGeom prst="rect">
+            <a:avLst/>
+          </a:prstGeom>
+        </p:spPr>
+        <p:txBody>
+          <a:bodyPr vert="horz" lIns="91440" tIns="45720" rIns="91440" bIns="45720" rtlCol="0" anchor="t">
+            <a:noAutofit/>
+          </a:bodyPr>
+          <a:lstStyle>
+            <a:lvl1pPr algn="ctr" defTabSz="914400" rtl="0" eaLnBrk="1" latinLnBrk="0" hangingPunct="1">
+              <a:lnSpc>
+                <a:spcPct val="90000"/>
+              </a:lnSpc>
+              <a:spcBef>
+                <a:spcPct val="0"/>
+              </a:spcBef>
+              <a:buNone/>
+              <a:defRPr sz="4400" kern="1200">
+                <a:solidFill>
+                  <a:schemeClr val="bg1"/>
+                </a:solidFill>
+                <a:latin typeface="Courier" charset="0"/>
+                <a:ea typeface="Courier" charset="0"/>
+                <a:cs typeface="Courier" charset="0"/>
+              </a:defRPr>
+            </a:lvl1pPr>
+          </a:lstStyle>
+          <a:p>
+            <a:pPr algn="l"/>
+            <a:r>
+              <a:rPr lang="en-US" sz="5400" smtClean="0">
+                <a:solidFill>
+                  <a:schemeClr val="bg1">
+                    <a:lumMod val="65000"/>
+                  </a:schemeClr>
+                </a:solidFill>
+              </a:rPr>
+              <a:t>trans·par·en·cy</a:t>
+            </a:r>
+            <a:endParaRPr lang="en-US" sz="3600" dirty="0">
+              <a:solidFill>
+                <a:schemeClr val="bg1">
+                  <a:lumMod val="65000"/>
+                </a:schemeClr>
+              </a:solidFill>
+            </a:endParaRPr>
+          </a:p>
+        </p:txBody>
+      </p:sp>
     </p:spTree>
     <p:extLst>
       <p:ext uri="{BB962C8B-B14F-4D97-AF65-F5344CB8AC3E}">
-        <p14:creationId xmlns:p14="http://schemas.microsoft.com/office/powerpoint/2010/main" val="640995625"/>
+        <p14:creationId xmlns:p14="http://schemas.microsoft.com/office/powerpoint/2010/main" val="1944352109"/>
       </p:ext>
     </p:extLst>
   </p:cSld>
@@ -4329,7 +4957,7 @@
           <a:p>
             <a:r>
               <a:rPr lang="is-IS" sz="5400" dirty="0" smtClean="0"/>
-              <a:t>… adhoc collaboration</a:t>
+              <a:t>… guardrails</a:t>
             </a:r>
             <a:endParaRPr lang="en-US" sz="5400" dirty="0">
               <a:latin typeface="Courier" charset="0"/>
@@ -4339,10 +4967,72 @@
           </a:p>
         </p:txBody>
       </p:sp>
+      <p:sp>
+        <p:nvSpPr>
+          <p:cNvPr id="4" name="Title 1"/>
+          <p:cNvSpPr txBox="1">
+            <a:spLocks/>
+          </p:cNvSpPr>
+          <p:nvPr/>
+        </p:nvSpPr>
+        <p:spPr>
+          <a:xfrm>
+            <a:off x="289560" y="406400"/>
+            <a:ext cx="11064240" cy="5641473"/>
+          </a:xfrm>
+          <a:prstGeom prst="rect">
+            <a:avLst/>
+          </a:prstGeom>
+        </p:spPr>
+        <p:txBody>
+          <a:bodyPr vert="horz" lIns="91440" tIns="45720" rIns="91440" bIns="45720" rtlCol="0" anchor="t">
+            <a:noAutofit/>
+          </a:bodyPr>
+          <a:lstStyle>
+            <a:lvl1pPr algn="ctr" defTabSz="914400" rtl="0" eaLnBrk="1" latinLnBrk="0" hangingPunct="1">
+              <a:lnSpc>
+                <a:spcPct val="90000"/>
+              </a:lnSpc>
+              <a:spcBef>
+                <a:spcPct val="0"/>
+              </a:spcBef>
+              <a:buNone/>
+              <a:defRPr sz="4400" kern="1200">
+                <a:solidFill>
+                  <a:schemeClr val="bg1"/>
+                </a:solidFill>
+                <a:latin typeface="Courier" charset="0"/>
+                <a:ea typeface="Courier" charset="0"/>
+                <a:cs typeface="Courier" charset="0"/>
+              </a:defRPr>
+            </a:lvl1pPr>
+          </a:lstStyle>
+          <a:p>
+            <a:pPr algn="l"/>
+            <a:r>
+              <a:rPr lang="en-US" sz="5400" smtClean="0">
+                <a:solidFill>
+                  <a:schemeClr val="bg1">
+                    <a:lumMod val="65000"/>
+                  </a:schemeClr>
+                </a:solidFill>
+              </a:rPr>
+              <a:t>trans·par·en·cy</a:t>
+            </a:r>
+            <a:endParaRPr lang="en-US" sz="3600" dirty="0">
+              <a:solidFill>
+                <a:schemeClr val="bg1">
+                  <a:lumMod val="65000"/>
+                </a:schemeClr>
+              </a:solidFill>
+            </a:endParaRPr>
+          </a:p>
+        </p:txBody>
+      </p:sp>
     </p:spTree>
     <p:extLst>
       <p:ext uri="{BB962C8B-B14F-4D97-AF65-F5344CB8AC3E}">
-        <p14:creationId xmlns:p14="http://schemas.microsoft.com/office/powerpoint/2010/main" val="471357347"/>
+        <p14:creationId xmlns:p14="http://schemas.microsoft.com/office/powerpoint/2010/main" val="640995625"/>
       </p:ext>
     </p:extLst>
   </p:cSld>
@@ -4408,66 +5098,87 @@
           </a:p>
         </p:txBody>
       </p:sp>
-      <p:pic>
-        <p:nvPicPr>
-          <p:cNvPr id="5" name="Picture 4"/>
-          <p:cNvPicPr>
-            <a:picLocks noChangeAspect="1"/>
-          </p:cNvPicPr>
-          <p:nvPr/>
-        </p:nvPicPr>
-        <p:blipFill>
-          <a:blip r:embed="rId3">
-            <a:extLst>
-              <a:ext uri="{28A0092B-C50C-407E-A947-70E740481C1C}">
-                <a14:useLocalDpi xmlns:a14="http://schemas.microsoft.com/office/drawing/2010/main" val="0"/>
-              </a:ext>
-            </a:extLst>
-          </a:blip>
-          <a:stretch>
-            <a:fillRect/>
-          </a:stretch>
-        </p:blipFill>
+      <p:sp>
+        <p:nvSpPr>
+          <p:cNvPr id="2" name="Title 1"/>
+          <p:cNvSpPr>
+            <a:spLocks noGrp="1"/>
+          </p:cNvSpPr>
+          <p:nvPr>
+            <p:ph type="title"/>
+          </p:nvPr>
+        </p:nvSpPr>
         <p:spPr>
           <a:xfrm>
-            <a:off x="556260" y="514350"/>
-            <a:ext cx="4067175" cy="5422900"/>
-          </a:xfrm>
-          <a:prstGeom prst="rect">
-            <a:avLst/>
-          </a:prstGeom>
-        </p:spPr>
-      </p:pic>
-      <p:sp>
-        <p:nvSpPr>
-          <p:cNvPr id="6" name="Title 1"/>
-          <p:cNvSpPr>
-            <a:spLocks noGrp="1"/>
-          </p:cNvSpPr>
-          <p:nvPr>
-            <p:ph type="title"/>
-          </p:nvPr>
-        </p:nvSpPr>
-        <p:spPr>
-          <a:xfrm>
-            <a:off x="4927600" y="514350"/>
-            <a:ext cx="7010400" cy="5422899"/>
+            <a:off x="289560" y="406400"/>
+            <a:ext cx="11064240" cy="5641473"/>
           </a:xfrm>
         </p:spPr>
         <p:txBody>
-          <a:bodyPr>
+          <a:bodyPr anchor="t">
             <a:noAutofit/>
           </a:bodyPr>
           <a:lstStyle/>
           <a:p>
-            <a:r>
-              <a:rPr lang="en-US" sz="5400" dirty="0" smtClean="0">
-                <a:latin typeface="Courier" charset="0"/>
-                <a:ea typeface="Courier" charset="0"/>
-                <a:cs typeface="Courier" charset="0"/>
-              </a:rPr>
-              <a:t>“Insert some quote here” </a:t>
-            </a:r>
+            <a:pPr algn="l"/>
+            <a:r>
+              <a:rPr lang="en-US" sz="5400" dirty="0" smtClean="0"/>
+              <a:t>chat·ops</a:t>
+            </a:r>
+            <a:br>
+              <a:rPr lang="en-US" sz="5400" dirty="0" smtClean="0"/>
+            </a:br>
+            <a:r>
+              <a:rPr lang="en-US" sz="3600" dirty="0"/>
+              <a:t>/Chat </a:t>
+            </a:r>
+            <a:r>
+              <a:rPr lang="en-US" sz="3600" dirty="0" err="1" smtClean="0"/>
+              <a:t>äps</a:t>
+            </a:r>
+            <a:r>
+              <a:rPr lang="en-US" sz="3600" dirty="0" smtClean="0"/>
+              <a:t>/</a:t>
+            </a:r>
+            <a:r>
+              <a:rPr lang="en-US" sz="3600" dirty="0"/>
+              <a:t/>
+            </a:r>
+            <a:br>
+              <a:rPr lang="en-US" sz="3600" dirty="0"/>
+            </a:br>
+            <a:r>
+              <a:rPr lang="en-US" sz="3600" dirty="0" smtClean="0"/>
+              <a:t/>
+            </a:r>
+            <a:br>
+              <a:rPr lang="en-US" sz="3600" dirty="0" smtClean="0"/>
+            </a:br>
+            <a:r>
+              <a:rPr lang="en-US" sz="3600" i="1" dirty="0" smtClean="0"/>
+              <a:t>noun</a:t>
+            </a:r>
+            <a:r>
+              <a:rPr lang="en-US" sz="3600" dirty="0" smtClean="0"/>
+              <a:t/>
+            </a:r>
+            <a:br>
+              <a:rPr lang="en-US" sz="3600" dirty="0" smtClean="0"/>
+            </a:br>
+            <a:r>
+              <a:rPr lang="en-US" sz="3600" dirty="0"/>
+              <a:t/>
+            </a:r>
+            <a:br>
+              <a:rPr lang="en-US" sz="3600" dirty="0"/>
+            </a:br>
+            <a:r>
+              <a:rPr lang="en-US" sz="3600" dirty="0" smtClean="0"/>
+              <a:t>A collaboration model that connects people, tools, process, and automation into a transparent workflow.</a:t>
+            </a:r>
+            <a:br>
+              <a:rPr lang="en-US" sz="3600" dirty="0" smtClean="0"/>
+            </a:br>
             <a:endParaRPr lang="en-US" sz="5400" dirty="0">
               <a:latin typeface="Courier" charset="0"/>
               <a:ea typeface="Courier" charset="0"/>
@@ -4479,7 +5190,7 @@
     </p:spTree>
     <p:extLst>
       <p:ext uri="{BB962C8B-B14F-4D97-AF65-F5344CB8AC3E}">
-        <p14:creationId xmlns:p14="http://schemas.microsoft.com/office/powerpoint/2010/main" val="1964855129"/>
+        <p14:creationId xmlns:p14="http://schemas.microsoft.com/office/powerpoint/2010/main" val="1273272539"/>
       </p:ext>
     </p:extLst>
   </p:cSld>
@@ -4545,40 +5256,106 @@
           </a:p>
         </p:txBody>
       </p:sp>
-      <p:pic>
-        <p:nvPicPr>
-          <p:cNvPr id="5" name="Picture 4"/>
-          <p:cNvPicPr>
-            <a:picLocks noChangeAspect="1"/>
-          </p:cNvPicPr>
-          <p:nvPr/>
-        </p:nvPicPr>
-        <p:blipFill>
-          <a:blip r:embed="rId3">
-            <a:extLst>
-              <a:ext uri="{28A0092B-C50C-407E-A947-70E740481C1C}">
-                <a14:useLocalDpi xmlns:a14="http://schemas.microsoft.com/office/drawing/2010/main" val="0"/>
-              </a:ext>
-            </a:extLst>
-          </a:blip>
-          <a:stretch>
-            <a:fillRect/>
-          </a:stretch>
-        </p:blipFill>
+      <p:sp>
+        <p:nvSpPr>
+          <p:cNvPr id="2" name="Title 1"/>
+          <p:cNvSpPr>
+            <a:spLocks noGrp="1"/>
+          </p:cNvSpPr>
+          <p:nvPr>
+            <p:ph type="title"/>
+          </p:nvPr>
+        </p:nvSpPr>
         <p:spPr>
           <a:xfrm>
-            <a:off x="152400" y="1812758"/>
-            <a:ext cx="11785600" cy="3080084"/>
+            <a:off x="289560" y="2766219"/>
+            <a:ext cx="11064240" cy="1790541"/>
+          </a:xfrm>
+        </p:spPr>
+        <p:txBody>
+          <a:bodyPr>
+            <a:noAutofit/>
+          </a:bodyPr>
+          <a:lstStyle/>
+          <a:p>
+            <a:r>
+              <a:rPr lang="is-IS" sz="5400" dirty="0" smtClean="0"/>
+              <a:t>… adhoc collaboration</a:t>
+            </a:r>
+            <a:endParaRPr lang="en-US" sz="5400" dirty="0">
+              <a:latin typeface="Courier" charset="0"/>
+              <a:ea typeface="Courier" charset="0"/>
+              <a:cs typeface="Courier" charset="0"/>
+            </a:endParaRPr>
+          </a:p>
+        </p:txBody>
+      </p:sp>
+      <p:sp>
+        <p:nvSpPr>
+          <p:cNvPr id="4" name="Title 1"/>
+          <p:cNvSpPr txBox="1">
+            <a:spLocks/>
+          </p:cNvSpPr>
+          <p:nvPr/>
+        </p:nvSpPr>
+        <p:spPr>
+          <a:xfrm>
+            <a:off x="289560" y="406400"/>
+            <a:ext cx="11064240" cy="5641473"/>
           </a:xfrm>
           <a:prstGeom prst="rect">
             <a:avLst/>
           </a:prstGeom>
         </p:spPr>
-      </p:pic>
+        <p:txBody>
+          <a:bodyPr vert="horz" lIns="91440" tIns="45720" rIns="91440" bIns="45720" rtlCol="0" anchor="t">
+            <a:noAutofit/>
+          </a:bodyPr>
+          <a:lstStyle>
+            <a:lvl1pPr algn="ctr" defTabSz="914400" rtl="0" eaLnBrk="1" latinLnBrk="0" hangingPunct="1">
+              <a:lnSpc>
+                <a:spcPct val="90000"/>
+              </a:lnSpc>
+              <a:spcBef>
+                <a:spcPct val="0"/>
+              </a:spcBef>
+              <a:buNone/>
+              <a:defRPr sz="4400" kern="1200">
+                <a:solidFill>
+                  <a:schemeClr val="bg1"/>
+                </a:solidFill>
+                <a:latin typeface="Courier" charset="0"/>
+                <a:ea typeface="Courier" charset="0"/>
+                <a:cs typeface="Courier" charset="0"/>
+              </a:defRPr>
+            </a:lvl1pPr>
+          </a:lstStyle>
+          <a:p>
+            <a:pPr algn="l"/>
+            <a:r>
+              <a:rPr lang="en-US" sz="5400" smtClean="0">
+                <a:solidFill>
+                  <a:schemeClr val="bg1">
+                    <a:lumMod val="65000"/>
+                  </a:schemeClr>
+                </a:solidFill>
+              </a:rPr>
+              <a:t>trans·par·en·cy</a:t>
+            </a:r>
+            <a:endParaRPr lang="en-US" sz="3600" dirty="0">
+              <a:solidFill>
+                <a:schemeClr val="bg1">
+                  <a:lumMod val="65000"/>
+                </a:schemeClr>
+              </a:solidFill>
+            </a:endParaRPr>
+          </a:p>
+        </p:txBody>
+      </p:sp>
     </p:spTree>
     <p:extLst>
       <p:ext uri="{BB962C8B-B14F-4D97-AF65-F5344CB8AC3E}">
-        <p14:creationId xmlns:p14="http://schemas.microsoft.com/office/powerpoint/2010/main" val="1809413045"/>
+        <p14:creationId xmlns:p14="http://schemas.microsoft.com/office/powerpoint/2010/main" val="471357347"/>
       </p:ext>
     </p:extLst>
   </p:cSld>
@@ -4644,28 +5421,9 @@
           </a:p>
         </p:txBody>
       </p:sp>
-      <p:sp>
-        <p:nvSpPr>
-          <p:cNvPr id="5" name="Title 4"/>
-          <p:cNvSpPr>
-            <a:spLocks noGrp="1"/>
-          </p:cNvSpPr>
-          <p:nvPr>
-            <p:ph type="title"/>
-          </p:nvPr>
-        </p:nvSpPr>
-        <p:spPr/>
-        <p:txBody>
-          <a:bodyPr/>
-          <a:lstStyle/>
-          <a:p>
-            <a:endParaRPr lang="en-US"/>
-          </a:p>
-        </p:txBody>
-      </p:sp>
       <p:pic>
         <p:nvPicPr>
-          <p:cNvPr id="4" name="Picture 3"/>
+          <p:cNvPr id="5" name="Picture 4"/>
           <p:cNvPicPr>
             <a:picLocks noChangeAspect="1"/>
           </p:cNvPicPr>
@@ -4685,18 +5443,118 @@
         </p:blipFill>
         <p:spPr>
           <a:xfrm>
-            <a:off x="215905" y="1464390"/>
-            <a:ext cx="11760190" cy="3723446"/>
+            <a:off x="7286625" y="515686"/>
+            <a:ext cx="4067175" cy="5422900"/>
           </a:xfrm>
           <a:prstGeom prst="rect">
             <a:avLst/>
           </a:prstGeom>
         </p:spPr>
       </p:pic>
+      <p:sp>
+        <p:nvSpPr>
+          <p:cNvPr id="6" name="Title 1"/>
+          <p:cNvSpPr>
+            <a:spLocks noGrp="1"/>
+          </p:cNvSpPr>
+          <p:nvPr>
+            <p:ph type="title"/>
+          </p:nvPr>
+        </p:nvSpPr>
+        <p:spPr>
+          <a:xfrm>
+            <a:off x="152400" y="170383"/>
+            <a:ext cx="7010400" cy="5422899"/>
+          </a:xfrm>
+        </p:spPr>
+        <p:txBody>
+          <a:bodyPr>
+            <a:noAutofit/>
+          </a:bodyPr>
+          <a:lstStyle/>
+          <a:p>
+            <a:r>
+              <a:rPr lang="en-US" sz="5400" dirty="0" smtClean="0">
+                <a:latin typeface="Courier" charset="0"/>
+                <a:ea typeface="Courier" charset="0"/>
+                <a:cs typeface="Courier" charset="0"/>
+              </a:rPr>
+              <a:t>“Insert some quote here” </a:t>
+            </a:r>
+            <a:endParaRPr lang="en-US" sz="5400" dirty="0">
+              <a:latin typeface="Courier" charset="0"/>
+              <a:ea typeface="Courier" charset="0"/>
+              <a:cs typeface="Courier" charset="0"/>
+            </a:endParaRPr>
+          </a:p>
+        </p:txBody>
+      </p:sp>
+      <p:sp>
+        <p:nvSpPr>
+          <p:cNvPr id="7" name="Title 1"/>
+          <p:cNvSpPr txBox="1">
+            <a:spLocks/>
+          </p:cNvSpPr>
+          <p:nvPr/>
+        </p:nvSpPr>
+        <p:spPr>
+          <a:xfrm>
+            <a:off x="289560" y="406400"/>
+            <a:ext cx="11064240" cy="5641473"/>
+          </a:xfrm>
+          <a:prstGeom prst="rect">
+            <a:avLst/>
+          </a:prstGeom>
+        </p:spPr>
+        <p:txBody>
+          <a:bodyPr vert="horz" lIns="91440" tIns="45720" rIns="91440" bIns="45720" rtlCol="0" anchor="t">
+            <a:noAutofit/>
+          </a:bodyPr>
+          <a:lstStyle>
+            <a:lvl1pPr algn="ctr" defTabSz="914400" rtl="0" eaLnBrk="1" latinLnBrk="0" hangingPunct="1">
+              <a:lnSpc>
+                <a:spcPct val="90000"/>
+              </a:lnSpc>
+              <a:spcBef>
+                <a:spcPct val="0"/>
+              </a:spcBef>
+              <a:buNone/>
+              <a:defRPr sz="4400" kern="1200">
+                <a:solidFill>
+                  <a:schemeClr val="bg1"/>
+                </a:solidFill>
+                <a:latin typeface="Courier" charset="0"/>
+                <a:ea typeface="Courier" charset="0"/>
+                <a:cs typeface="Courier" charset="0"/>
+              </a:defRPr>
+            </a:lvl1pPr>
+          </a:lstStyle>
+          <a:p>
+            <a:pPr algn="l"/>
+            <a:r>
+              <a:rPr lang="en-US" sz="5400" dirty="0" smtClean="0">
+                <a:solidFill>
+                  <a:schemeClr val="bg1">
+                    <a:lumMod val="65000"/>
+                  </a:schemeClr>
+                </a:solidFill>
+              </a:rPr>
+              <a:t>chat·ops</a:t>
+            </a:r>
+            <a:endParaRPr lang="en-US" sz="5400" dirty="0">
+              <a:solidFill>
+                <a:schemeClr val="bg1">
+                  <a:lumMod val="65000"/>
+                </a:schemeClr>
+              </a:solidFill>
+            </a:endParaRPr>
+          </a:p>
+        </p:txBody>
+      </p:sp>
     </p:spTree>
     <p:extLst>
       <p:ext uri="{BB962C8B-B14F-4D97-AF65-F5344CB8AC3E}">
-        <p14:creationId xmlns:p14="http://schemas.microsoft.com/office/powerpoint/2010/main" val="128035827"/>
+        <p14:creationId xmlns:p14="http://schemas.microsoft.com/office/powerpoint/2010/main" val="1964855129"/>
       </p:ext>
     </p:extLst>
   </p:cSld>
@@ -4774,27 +5632,83 @@
         </p:nvSpPr>
         <p:spPr>
           <a:xfrm>
-            <a:off x="289560" y="2766219"/>
-            <a:ext cx="11064240" cy="1790541"/>
+            <a:off x="289560" y="406400"/>
+            <a:ext cx="11064240" cy="5641473"/>
           </a:xfrm>
         </p:spPr>
         <p:txBody>
-          <a:bodyPr>
+          <a:bodyPr anchor="t">
             <a:noAutofit/>
           </a:bodyPr>
           <a:lstStyle/>
           <a:p>
-            <a:r>
-              <a:rPr lang="is-IS" sz="5400" dirty="0" smtClean="0"/>
-              <a:t>… </a:t>
-            </a:r>
+            <a:pPr algn="l"/>
             <a:r>
               <a:rPr lang="en-US" sz="5400" dirty="0" smtClean="0"/>
-              <a:t>New </a:t>
-            </a:r>
-            <a:r>
+              <a:t>on·board·ing</a:t>
+            </a:r>
+            <a:br>
               <a:rPr lang="en-US" sz="5400" dirty="0" smtClean="0"/>
-              <a:t>hire day 1</a:t>
+            </a:br>
+            <a:r>
+              <a:rPr lang="en-US" sz="3600" dirty="0"/>
+              <a:t>/</a:t>
+            </a:r>
+            <a:r>
+              <a:rPr lang="en-US" sz="3600" dirty="0" smtClean="0"/>
+              <a:t>än</a:t>
+            </a:r>
+            <a:r>
+              <a:rPr lang="en-US" sz="3600" dirty="0"/>
+              <a:t>ˈ</a:t>
+            </a:r>
+            <a:r>
+              <a:rPr lang="en-US" sz="3600" dirty="0" smtClean="0"/>
+              <a:t>bôrdiNG</a:t>
+            </a:r>
+            <a:r>
+              <a:rPr lang="en-US" sz="3600" dirty="0"/>
+              <a:t>/</a:t>
+            </a:r>
+            <a:br>
+              <a:rPr lang="en-US" sz="3600" dirty="0"/>
+            </a:br>
+            <a:r>
+              <a:rPr lang="en-US" sz="3600" dirty="0" smtClean="0"/>
+              <a:t/>
+            </a:r>
+            <a:br>
+              <a:rPr lang="en-US" sz="3600" dirty="0" smtClean="0"/>
+            </a:br>
+            <a:r>
+              <a:rPr lang="en-US" sz="3600" i="1" dirty="0" smtClean="0"/>
+              <a:t>noun</a:t>
+            </a:r>
+            <a:r>
+              <a:rPr lang="en-US" sz="3600" dirty="0" smtClean="0"/>
+              <a:t/>
+            </a:r>
+            <a:br>
+              <a:rPr lang="en-US" sz="3600" dirty="0" smtClean="0"/>
+            </a:br>
+            <a:r>
+              <a:rPr lang="en-US" sz="3600" dirty="0"/>
+              <a:t/>
+            </a:r>
+            <a:br>
+              <a:rPr lang="en-US" sz="3600" dirty="0"/>
+            </a:br>
+            <a:r>
+              <a:rPr lang="en-US" sz="3600" dirty="0" smtClean="0"/>
+              <a:t>the </a:t>
+            </a:r>
+            <a:r>
+              <a:rPr lang="en-US" sz="3600" dirty="0"/>
+              <a:t>action or process of integrating a new employee into an organization or familiarizing a new customer or client with one's products or </a:t>
+            </a:r>
+            <a:r>
+              <a:rPr lang="en-US" sz="3600" dirty="0" smtClean="0"/>
+              <a:t>services.</a:t>
             </a:r>
             <a:endParaRPr lang="en-US" sz="5400" dirty="0">
               <a:latin typeface="Courier" charset="0"/>
@@ -4901,11 +5815,11 @@
             </a:r>
             <a:r>
               <a:rPr lang="en-US" sz="5400" dirty="0" smtClean="0"/>
-              <a:t>Immediate </a:t>
+              <a:t>New </a:t>
             </a:r>
             <a:r>
               <a:rPr lang="en-US" sz="5400" dirty="0" smtClean="0"/>
-              <a:t>gratification</a:t>
+              <a:t>hire day 1</a:t>
             </a:r>
             <a:endParaRPr lang="en-US" sz="5400" dirty="0">
               <a:latin typeface="Courier" charset="0"/>
@@ -4915,10 +5829,72 @@
           </a:p>
         </p:txBody>
       </p:sp>
+      <p:sp>
+        <p:nvSpPr>
+          <p:cNvPr id="4" name="Title 1"/>
+          <p:cNvSpPr txBox="1">
+            <a:spLocks/>
+          </p:cNvSpPr>
+          <p:nvPr/>
+        </p:nvSpPr>
+        <p:spPr>
+          <a:xfrm>
+            <a:off x="289560" y="406400"/>
+            <a:ext cx="11064240" cy="5641473"/>
+          </a:xfrm>
+          <a:prstGeom prst="rect">
+            <a:avLst/>
+          </a:prstGeom>
+        </p:spPr>
+        <p:txBody>
+          <a:bodyPr vert="horz" lIns="91440" tIns="45720" rIns="91440" bIns="45720" rtlCol="0" anchor="t">
+            <a:noAutofit/>
+          </a:bodyPr>
+          <a:lstStyle>
+            <a:lvl1pPr algn="ctr" defTabSz="914400" rtl="0" eaLnBrk="1" latinLnBrk="0" hangingPunct="1">
+              <a:lnSpc>
+                <a:spcPct val="90000"/>
+              </a:lnSpc>
+              <a:spcBef>
+                <a:spcPct val="0"/>
+              </a:spcBef>
+              <a:buNone/>
+              <a:defRPr sz="4400" kern="1200">
+                <a:solidFill>
+                  <a:schemeClr val="bg1"/>
+                </a:solidFill>
+                <a:latin typeface="Courier" charset="0"/>
+                <a:ea typeface="Courier" charset="0"/>
+                <a:cs typeface="Courier" charset="0"/>
+              </a:defRPr>
+            </a:lvl1pPr>
+          </a:lstStyle>
+          <a:p>
+            <a:pPr algn="l"/>
+            <a:r>
+              <a:rPr lang="en-US" sz="5400" dirty="0" smtClean="0">
+                <a:solidFill>
+                  <a:schemeClr val="bg1">
+                    <a:lumMod val="65000"/>
+                  </a:schemeClr>
+                </a:solidFill>
+              </a:rPr>
+              <a:t>on·board·ing</a:t>
+            </a:r>
+            <a:endParaRPr lang="en-US" sz="5400" dirty="0">
+              <a:solidFill>
+                <a:schemeClr val="bg1">
+                  <a:lumMod val="65000"/>
+                </a:schemeClr>
+              </a:solidFill>
+            </a:endParaRPr>
+          </a:p>
+        </p:txBody>
+      </p:sp>
     </p:spTree>
     <p:extLst>
       <p:ext uri="{BB962C8B-B14F-4D97-AF65-F5344CB8AC3E}">
-        <p14:creationId xmlns:p14="http://schemas.microsoft.com/office/powerpoint/2010/main" val="229031341"/>
+        <p14:creationId xmlns:p14="http://schemas.microsoft.com/office/powerpoint/2010/main" val="1861151937"/>
       </p:ext>
     </p:extLst>
   </p:cSld>
@@ -5007,36 +5983,16 @@
           <a:lstStyle/>
           <a:p>
             <a:r>
-              <a:rPr lang="is-IS" sz="5400" dirty="0" smtClean="0">
-                <a:latin typeface="Courier" charset="0"/>
-                <a:ea typeface="Courier" charset="0"/>
-                <a:cs typeface="Courier" charset="0"/>
-              </a:rPr>
+              <a:rPr lang="is-IS" sz="5400" dirty="0" smtClean="0"/>
               <a:t>… </a:t>
             </a:r>
             <a:r>
-              <a:rPr lang="en-US" sz="5400" dirty="0" err="1" smtClean="0">
-                <a:latin typeface="Courier" charset="0"/>
-                <a:ea typeface="Courier" charset="0"/>
-                <a:cs typeface="Courier" charset="0"/>
-              </a:rPr>
-              <a:t>Autobuild</a:t>
-            </a:r>
-            <a:r>
-              <a:rPr lang="en-US" sz="5400" dirty="0" smtClean="0">
-                <a:latin typeface="Courier" charset="0"/>
-                <a:ea typeface="Courier" charset="0"/>
-                <a:cs typeface="Courier" charset="0"/>
-              </a:rPr>
-              <a:t> </a:t>
-            </a:r>
-            <a:r>
-              <a:rPr lang="en-US" sz="5400" dirty="0" smtClean="0">
-                <a:latin typeface="Courier" charset="0"/>
-                <a:ea typeface="Courier" charset="0"/>
-                <a:cs typeface="Courier" charset="0"/>
-              </a:rPr>
-              <a:t>Coffee Scripts</a:t>
+              <a:rPr lang="en-US" sz="5400" dirty="0" smtClean="0"/>
+              <a:t>Immediate </a:t>
+            </a:r>
+            <a:r>
+              <a:rPr lang="en-US" sz="5400" dirty="0" smtClean="0"/>
+              <a:t>gratification</a:t>
             </a:r>
             <a:endParaRPr lang="en-US" sz="5400" dirty="0">
               <a:latin typeface="Courier" charset="0"/>
@@ -5046,10 +6002,72 @@
           </a:p>
         </p:txBody>
       </p:sp>
+      <p:sp>
+        <p:nvSpPr>
+          <p:cNvPr id="4" name="Title 1"/>
+          <p:cNvSpPr txBox="1">
+            <a:spLocks/>
+          </p:cNvSpPr>
+          <p:nvPr/>
+        </p:nvSpPr>
+        <p:spPr>
+          <a:xfrm>
+            <a:off x="289560" y="406400"/>
+            <a:ext cx="11064240" cy="5641473"/>
+          </a:xfrm>
+          <a:prstGeom prst="rect">
+            <a:avLst/>
+          </a:prstGeom>
+        </p:spPr>
+        <p:txBody>
+          <a:bodyPr vert="horz" lIns="91440" tIns="45720" rIns="91440" bIns="45720" rtlCol="0" anchor="t">
+            <a:noAutofit/>
+          </a:bodyPr>
+          <a:lstStyle>
+            <a:lvl1pPr algn="ctr" defTabSz="914400" rtl="0" eaLnBrk="1" latinLnBrk="0" hangingPunct="1">
+              <a:lnSpc>
+                <a:spcPct val="90000"/>
+              </a:lnSpc>
+              <a:spcBef>
+                <a:spcPct val="0"/>
+              </a:spcBef>
+              <a:buNone/>
+              <a:defRPr sz="4400" kern="1200">
+                <a:solidFill>
+                  <a:schemeClr val="bg1"/>
+                </a:solidFill>
+                <a:latin typeface="Courier" charset="0"/>
+                <a:ea typeface="Courier" charset="0"/>
+                <a:cs typeface="Courier" charset="0"/>
+              </a:defRPr>
+            </a:lvl1pPr>
+          </a:lstStyle>
+          <a:p>
+            <a:pPr algn="l"/>
+            <a:r>
+              <a:rPr lang="en-US" sz="5400" smtClean="0">
+                <a:solidFill>
+                  <a:schemeClr val="bg1">
+                    <a:lumMod val="65000"/>
+                  </a:schemeClr>
+                </a:solidFill>
+              </a:rPr>
+              <a:t>on·board·ing</a:t>
+            </a:r>
+            <a:endParaRPr lang="en-US" sz="5400" dirty="0">
+              <a:solidFill>
+                <a:schemeClr val="bg1">
+                  <a:lumMod val="65000"/>
+                </a:schemeClr>
+              </a:solidFill>
+            </a:endParaRPr>
+          </a:p>
+        </p:txBody>
+      </p:sp>
     </p:spTree>
     <p:extLst>
       <p:ext uri="{BB962C8B-B14F-4D97-AF65-F5344CB8AC3E}">
-        <p14:creationId xmlns:p14="http://schemas.microsoft.com/office/powerpoint/2010/main" val="274472225"/>
+        <p14:creationId xmlns:p14="http://schemas.microsoft.com/office/powerpoint/2010/main" val="229031341"/>
       </p:ext>
     </p:extLst>
   </p:cSld>
@@ -5138,24 +6156,36 @@
           <a:lstStyle/>
           <a:p>
             <a:r>
-              <a:rPr lang="is-IS" sz="5400" dirty="0" smtClean="0"/>
+              <a:rPr lang="is-IS" sz="5400" dirty="0" smtClean="0">
+                <a:latin typeface="Courier" charset="0"/>
+                <a:ea typeface="Courier" charset="0"/>
+                <a:cs typeface="Courier" charset="0"/>
+              </a:rPr>
               <a:t>… </a:t>
             </a:r>
             <a:r>
-              <a:rPr lang="en-US" sz="5400" dirty="0" err="1" smtClean="0"/>
-              <a:t>git</a:t>
-            </a:r>
-            <a:r>
-              <a:rPr lang="en-US" sz="5400" dirty="0" smtClean="0"/>
-              <a:t>, </a:t>
-            </a:r>
-            <a:r>
-              <a:rPr lang="en-US" sz="5400" dirty="0" smtClean="0"/>
-              <a:t>CI pipeline, </a:t>
-            </a:r>
-            <a:r>
-              <a:rPr lang="en-US" sz="5400" dirty="0" err="1" smtClean="0"/>
-              <a:t>Hubot</a:t>
+              <a:rPr lang="en-US" sz="5400" dirty="0" err="1" smtClean="0">
+                <a:latin typeface="Courier" charset="0"/>
+                <a:ea typeface="Courier" charset="0"/>
+                <a:cs typeface="Courier" charset="0"/>
+              </a:rPr>
+              <a:t>Autobuild</a:t>
+            </a:r>
+            <a:r>
+              <a:rPr lang="en-US" sz="5400" dirty="0" smtClean="0">
+                <a:latin typeface="Courier" charset="0"/>
+                <a:ea typeface="Courier" charset="0"/>
+                <a:cs typeface="Courier" charset="0"/>
+              </a:rPr>
+              <a:t> </a:t>
+            </a:r>
+            <a:r>
+              <a:rPr lang="en-US" sz="5400" dirty="0" smtClean="0">
+                <a:latin typeface="Courier" charset="0"/>
+                <a:ea typeface="Courier" charset="0"/>
+                <a:cs typeface="Courier" charset="0"/>
+              </a:rPr>
+              <a:t>Coffee Scripts</a:t>
             </a:r>
             <a:endParaRPr lang="en-US" sz="5400" dirty="0">
               <a:latin typeface="Courier" charset="0"/>
@@ -5165,10 +6195,72 @@
           </a:p>
         </p:txBody>
       </p:sp>
+      <p:sp>
+        <p:nvSpPr>
+          <p:cNvPr id="4" name="Title 1"/>
+          <p:cNvSpPr txBox="1">
+            <a:spLocks/>
+          </p:cNvSpPr>
+          <p:nvPr/>
+        </p:nvSpPr>
+        <p:spPr>
+          <a:xfrm>
+            <a:off x="289560" y="406400"/>
+            <a:ext cx="11064240" cy="5641473"/>
+          </a:xfrm>
+          <a:prstGeom prst="rect">
+            <a:avLst/>
+          </a:prstGeom>
+        </p:spPr>
+        <p:txBody>
+          <a:bodyPr vert="horz" lIns="91440" tIns="45720" rIns="91440" bIns="45720" rtlCol="0" anchor="t">
+            <a:noAutofit/>
+          </a:bodyPr>
+          <a:lstStyle>
+            <a:lvl1pPr algn="ctr" defTabSz="914400" rtl="0" eaLnBrk="1" latinLnBrk="0" hangingPunct="1">
+              <a:lnSpc>
+                <a:spcPct val="90000"/>
+              </a:lnSpc>
+              <a:spcBef>
+                <a:spcPct val="0"/>
+              </a:spcBef>
+              <a:buNone/>
+              <a:defRPr sz="4400" kern="1200">
+                <a:solidFill>
+                  <a:schemeClr val="bg1"/>
+                </a:solidFill>
+                <a:latin typeface="Courier" charset="0"/>
+                <a:ea typeface="Courier" charset="0"/>
+                <a:cs typeface="Courier" charset="0"/>
+              </a:defRPr>
+            </a:lvl1pPr>
+          </a:lstStyle>
+          <a:p>
+            <a:pPr algn="l"/>
+            <a:r>
+              <a:rPr lang="en-US" sz="5400" smtClean="0">
+                <a:solidFill>
+                  <a:schemeClr val="bg1">
+                    <a:lumMod val="65000"/>
+                  </a:schemeClr>
+                </a:solidFill>
+              </a:rPr>
+              <a:t>on·board·ing</a:t>
+            </a:r>
+            <a:endParaRPr lang="en-US" sz="5400" dirty="0">
+              <a:solidFill>
+                <a:schemeClr val="bg1">
+                  <a:lumMod val="65000"/>
+                </a:schemeClr>
+              </a:solidFill>
+            </a:endParaRPr>
+          </a:p>
+        </p:txBody>
+      </p:sp>
     </p:spTree>
     <p:extLst>
       <p:ext uri="{BB962C8B-B14F-4D97-AF65-F5344CB8AC3E}">
-        <p14:creationId xmlns:p14="http://schemas.microsoft.com/office/powerpoint/2010/main" val="276844321"/>
+        <p14:creationId xmlns:p14="http://schemas.microsoft.com/office/powerpoint/2010/main" val="274472225"/>
       </p:ext>
     </p:extLst>
   </p:cSld>
@@ -5234,40 +6326,122 @@
           </a:p>
         </p:txBody>
       </p:sp>
-      <p:pic>
-        <p:nvPicPr>
-          <p:cNvPr id="4" name="Picture 3"/>
-          <p:cNvPicPr>
-            <a:picLocks noChangeAspect="1"/>
-          </p:cNvPicPr>
-          <p:nvPr/>
-        </p:nvPicPr>
-        <p:blipFill>
-          <a:blip r:embed="rId3">
-            <a:extLst>
-              <a:ext uri="{28A0092B-C50C-407E-A947-70E740481C1C}">
-                <a14:useLocalDpi xmlns:a14="http://schemas.microsoft.com/office/drawing/2010/main" val="0"/>
-              </a:ext>
-            </a:extLst>
-          </a:blip>
-          <a:stretch>
-            <a:fillRect/>
-          </a:stretch>
-        </p:blipFill>
+      <p:sp>
+        <p:nvSpPr>
+          <p:cNvPr id="2" name="Title 1"/>
+          <p:cNvSpPr>
+            <a:spLocks noGrp="1"/>
+          </p:cNvSpPr>
+          <p:nvPr>
+            <p:ph type="title"/>
+          </p:nvPr>
+        </p:nvSpPr>
         <p:spPr>
           <a:xfrm>
-            <a:off x="228600" y="393779"/>
-            <a:ext cx="11675560" cy="5600621"/>
+            <a:off x="289560" y="2766219"/>
+            <a:ext cx="11064240" cy="1790541"/>
+          </a:xfrm>
+        </p:spPr>
+        <p:txBody>
+          <a:bodyPr>
+            <a:noAutofit/>
+          </a:bodyPr>
+          <a:lstStyle/>
+          <a:p>
+            <a:r>
+              <a:rPr lang="is-IS" sz="5400" dirty="0" smtClean="0"/>
+              <a:t>… </a:t>
+            </a:r>
+            <a:r>
+              <a:rPr lang="en-US" sz="5400" dirty="0" err="1" smtClean="0"/>
+              <a:t>git</a:t>
+            </a:r>
+            <a:r>
+              <a:rPr lang="en-US" sz="5400" dirty="0" smtClean="0"/>
+              <a:t>, </a:t>
+            </a:r>
+            <a:r>
+              <a:rPr lang="en-US" sz="5400" dirty="0" smtClean="0"/>
+              <a:t>CI pipeline, </a:t>
+            </a:r>
+            <a:r>
+              <a:rPr lang="en-US" sz="5400" dirty="0" err="1" smtClean="0"/>
+              <a:t>Hubot</a:t>
+            </a:r>
+            <a:endParaRPr lang="en-US" sz="5400" dirty="0">
+              <a:latin typeface="Courier" charset="0"/>
+              <a:ea typeface="Courier" charset="0"/>
+              <a:cs typeface="Courier" charset="0"/>
+            </a:endParaRPr>
+          </a:p>
+        </p:txBody>
+      </p:sp>
+      <p:sp>
+        <p:nvSpPr>
+          <p:cNvPr id="4" name="Title 1"/>
+          <p:cNvSpPr txBox="1">
+            <a:spLocks/>
+          </p:cNvSpPr>
+          <p:nvPr/>
+        </p:nvSpPr>
+        <p:spPr>
+          <a:xfrm>
+            <a:off x="289560" y="406400"/>
+            <a:ext cx="11064240" cy="5641473"/>
           </a:xfrm>
           <a:prstGeom prst="rect">
             <a:avLst/>
           </a:prstGeom>
         </p:spPr>
-      </p:pic>
+        <p:txBody>
+          <a:bodyPr vert="horz" lIns="91440" tIns="45720" rIns="91440" bIns="45720" rtlCol="0" anchor="t">
+            <a:noAutofit/>
+          </a:bodyPr>
+          <a:lstStyle>
+            <a:lvl1pPr algn="ctr" defTabSz="914400" rtl="0" eaLnBrk="1" latinLnBrk="0" hangingPunct="1">
+              <a:lnSpc>
+                <a:spcPct val="90000"/>
+              </a:lnSpc>
+              <a:spcBef>
+                <a:spcPct val="0"/>
+              </a:spcBef>
+              <a:buNone/>
+              <a:defRPr sz="4400" kern="1200">
+                <a:solidFill>
+                  <a:schemeClr val="bg1"/>
+                </a:solidFill>
+                <a:latin typeface="Courier" charset="0"/>
+                <a:ea typeface="Courier" charset="0"/>
+                <a:cs typeface="Courier" charset="0"/>
+              </a:defRPr>
+            </a:lvl1pPr>
+          </a:lstStyle>
+          <a:p>
+            <a:pPr algn="l"/>
+            <a:r>
+              <a:rPr lang="en-US" sz="5400" smtClean="0">
+                <a:solidFill>
+                  <a:schemeClr val="bg1">
+                    <a:lumMod val="65000"/>
+                  </a:schemeClr>
+                </a:solidFill>
+              </a:rPr>
+              <a:t>on·board·ing</a:t>
+            </a:r>
+            <a:endParaRPr lang="en-US" sz="5400" dirty="0">
+              <a:solidFill>
+                <a:schemeClr val="bg1">
+                  <a:lumMod val="65000"/>
+                </a:schemeClr>
+              </a:solidFill>
+            </a:endParaRPr>
+          </a:p>
+        </p:txBody>
+      </p:sp>
     </p:spTree>
     <p:extLst>
       <p:ext uri="{BB962C8B-B14F-4D97-AF65-F5344CB8AC3E}">
-        <p14:creationId xmlns:p14="http://schemas.microsoft.com/office/powerpoint/2010/main" val="448964793"/>
+        <p14:creationId xmlns:p14="http://schemas.microsoft.com/office/powerpoint/2010/main" val="276844321"/>
       </p:ext>
     </p:extLst>
   </p:cSld>
@@ -5345,32 +6519,88 @@
         </p:nvSpPr>
         <p:spPr>
           <a:xfrm>
-            <a:off x="289560" y="2766219"/>
-            <a:ext cx="11064240" cy="1790541"/>
+            <a:off x="289560" y="406400"/>
+            <a:ext cx="11064240" cy="5641473"/>
           </a:xfrm>
         </p:spPr>
         <p:txBody>
-          <a:bodyPr>
+          <a:bodyPr anchor="t">
             <a:noAutofit/>
           </a:bodyPr>
           <a:lstStyle/>
           <a:p>
-            <a:r>
-              <a:rPr lang="is-IS" sz="5400" dirty="0" smtClean="0"/>
-              <a:t>… permissions</a:t>
-            </a:r>
-            <a:endParaRPr lang="en-US" sz="5400" dirty="0">
-              <a:latin typeface="Courier" charset="0"/>
-              <a:ea typeface="Courier" charset="0"/>
-              <a:cs typeface="Courier" charset="0"/>
-            </a:endParaRPr>
+            <a:pPr algn="l"/>
+            <a:r>
+              <a:rPr lang="en-US" sz="5400" dirty="0" smtClean="0"/>
+              <a:t>fric·tion</a:t>
+            </a:r>
+            <a:br>
+              <a:rPr lang="en-US" sz="5400" dirty="0" smtClean="0"/>
+            </a:br>
+            <a:r>
+              <a:rPr lang="en-US" sz="3600" dirty="0" smtClean="0"/>
+              <a:t>/frikSH(</a:t>
+            </a:r>
+            <a:r>
+              <a:rPr lang="en-US" sz="3600" dirty="0" err="1" smtClean="0"/>
+              <a:t>ə</a:t>
+            </a:r>
+            <a:r>
+              <a:rPr lang="en-US" sz="3600" dirty="0" smtClean="0"/>
+              <a:t>)n/</a:t>
+            </a:r>
+            <a:r>
+              <a:rPr lang="en-US" sz="4800" dirty="0" smtClean="0"/>
+              <a:t/>
+            </a:r>
+            <a:br>
+              <a:rPr lang="en-US" sz="4800" dirty="0" smtClean="0"/>
+            </a:br>
+            <a:r>
+              <a:rPr lang="en-US" sz="4800" dirty="0"/>
+              <a:t/>
+            </a:r>
+            <a:br>
+              <a:rPr lang="en-US" sz="4800" dirty="0"/>
+            </a:br>
+            <a:r>
+              <a:rPr lang="en-US" sz="3600" i="1" dirty="0" smtClean="0"/>
+              <a:t>noun</a:t>
+            </a:r>
+            <a:r>
+              <a:rPr lang="en-US" sz="3600" dirty="0" smtClean="0"/>
+              <a:t/>
+            </a:r>
+            <a:br>
+              <a:rPr lang="en-US" sz="3600" dirty="0" smtClean="0"/>
+            </a:br>
+            <a:r>
+              <a:rPr lang="en-US" sz="3600" dirty="0" smtClean="0"/>
+              <a:t/>
+            </a:r>
+            <a:br>
+              <a:rPr lang="en-US" sz="3600" dirty="0" smtClean="0"/>
+            </a:br>
+            <a:r>
+              <a:rPr lang="en-US" sz="3600" dirty="0" smtClean="0"/>
+              <a:t>conflict </a:t>
+            </a:r>
+            <a:r>
+              <a:rPr lang="en-US" sz="3600" dirty="0"/>
+              <a:t>or animosity caused by a clash of wills, temperaments, or </a:t>
+            </a:r>
+            <a:r>
+              <a:rPr lang="en-US" sz="3600" dirty="0" smtClean="0"/>
+              <a:t>opinions</a:t>
+            </a:r>
+            <a:endParaRPr lang="en-US" sz="4800" dirty="0"/>
           </a:p>
         </p:txBody>
       </p:sp>
     </p:spTree>
     <p:extLst>
       <p:ext uri="{BB962C8B-B14F-4D97-AF65-F5344CB8AC3E}">
-        <p14:creationId xmlns:p14="http://schemas.microsoft.com/office/powerpoint/2010/main" val="711198599"/>
+        <p14:creationId xmlns:p14="http://schemas.microsoft.com/office/powerpoint/2010/main" val="1836124931"/>
       </p:ext>
     </p:extLst>
   </p:cSld>

--- a/2017-04-10 Denver DevOpsDays/DevOpsDays Denver.pptx
+++ b/2017-04-10 Denver DevOpsDays/DevOpsDays Denver.pptx
@@ -13,21 +13,21 @@
   <p:sldIdLst>
     <p:sldId id="349" r:id="rId2"/>
     <p:sldId id="354" r:id="rId3"/>
-    <p:sldId id="348" r:id="rId4"/>
-    <p:sldId id="332" r:id="rId5"/>
-    <p:sldId id="351" r:id="rId6"/>
-    <p:sldId id="334" r:id="rId7"/>
-    <p:sldId id="330" r:id="rId8"/>
-    <p:sldId id="333" r:id="rId9"/>
-    <p:sldId id="352" r:id="rId10"/>
-    <p:sldId id="336" r:id="rId11"/>
-    <p:sldId id="337" r:id="rId12"/>
-    <p:sldId id="338" r:id="rId13"/>
-    <p:sldId id="339" r:id="rId14"/>
-    <p:sldId id="340" r:id="rId15"/>
-    <p:sldId id="341" r:id="rId16"/>
-    <p:sldId id="342" r:id="rId17"/>
-    <p:sldId id="353" r:id="rId18"/>
+    <p:sldId id="355" r:id="rId4"/>
+    <p:sldId id="348" r:id="rId5"/>
+    <p:sldId id="332" r:id="rId6"/>
+    <p:sldId id="351" r:id="rId7"/>
+    <p:sldId id="334" r:id="rId8"/>
+    <p:sldId id="330" r:id="rId9"/>
+    <p:sldId id="333" r:id="rId10"/>
+    <p:sldId id="352" r:id="rId11"/>
+    <p:sldId id="336" r:id="rId12"/>
+    <p:sldId id="337" r:id="rId13"/>
+    <p:sldId id="338" r:id="rId14"/>
+    <p:sldId id="339" r:id="rId15"/>
+    <p:sldId id="340" r:id="rId16"/>
+    <p:sldId id="341" r:id="rId17"/>
+    <p:sldId id="342" r:id="rId18"/>
     <p:sldId id="345" r:id="rId19"/>
     <p:sldId id="346" r:id="rId20"/>
     <p:sldId id="347" r:id="rId21"/>
@@ -238,7 +238,7 @@
           <a:p>
             <a:fld id="{5B498BCF-C905-E646-944D-2928BFE2F061}" type="datetimeFigureOut">
               <a:rPr lang="en-US" smtClean="0"/>
-              <a:t>3/25/17</a:t>
+              <a:t>3/31/17</a:t>
             </a:fld>
             <a:endParaRPr lang="en-US"/>
           </a:p>
@@ -403,7 +403,7 @@
           <a:p>
             <a:fld id="{EBB03E87-2196-409F-9917-B96E0FB7F128}" type="datetimeFigureOut">
               <a:rPr lang="en-US" smtClean="0"/>
-              <a:t>3/25/17</a:t>
+              <a:t>3/31/17</a:t>
             </a:fld>
             <a:endParaRPr lang="en-US"/>
           </a:p>
@@ -721,15 +721,7 @@
             </a:r>
             <a:r>
               <a:rPr lang="en-US" sz="1200" baseline="0" dirty="0" smtClean="0"/>
-              <a:t> because </a:t>
-            </a:r>
-            <a:r>
-              <a:rPr lang="en-US" sz="1200" baseline="0" dirty="0" err="1" smtClean="0"/>
-              <a:t>ChatOps</a:t>
-            </a:r>
-            <a:r>
-              <a:rPr lang="en-US" sz="1200" baseline="0" dirty="0" smtClean="0"/>
-              <a:t> is transformative.  </a:t>
+              <a:t> because ChatOps is transformative.  </a:t>
             </a:r>
             <a:endParaRPr lang="en-US" sz="1200" dirty="0" smtClean="0"/>
           </a:p>
@@ -845,7 +837,7 @@
     </p:spTree>
     <p:extLst>
       <p:ext uri="{BB962C8B-B14F-4D97-AF65-F5344CB8AC3E}">
-        <p14:creationId xmlns:p14="http://schemas.microsoft.com/office/powerpoint/2010/main" val="220874191"/>
+        <p14:creationId xmlns:p14="http://schemas.microsoft.com/office/powerpoint/2010/main" val="411707927"/>
       </p:ext>
     </p:extLst>
   </p:cSld>
@@ -929,7 +921,7 @@
     </p:spTree>
     <p:extLst>
       <p:ext uri="{BB962C8B-B14F-4D97-AF65-F5344CB8AC3E}">
-        <p14:creationId xmlns:p14="http://schemas.microsoft.com/office/powerpoint/2010/main" val="293634033"/>
+        <p14:creationId xmlns:p14="http://schemas.microsoft.com/office/powerpoint/2010/main" val="220874191"/>
       </p:ext>
     </p:extLst>
   </p:cSld>
@@ -1013,7 +1005,7 @@
     </p:spTree>
     <p:extLst>
       <p:ext uri="{BB962C8B-B14F-4D97-AF65-F5344CB8AC3E}">
-        <p14:creationId xmlns:p14="http://schemas.microsoft.com/office/powerpoint/2010/main" val="2027043380"/>
+        <p14:creationId xmlns:p14="http://schemas.microsoft.com/office/powerpoint/2010/main" val="293634033"/>
       </p:ext>
     </p:extLst>
   </p:cSld>
@@ -1097,7 +1089,7 @@
     </p:spTree>
     <p:extLst>
       <p:ext uri="{BB962C8B-B14F-4D97-AF65-F5344CB8AC3E}">
-        <p14:creationId xmlns:p14="http://schemas.microsoft.com/office/powerpoint/2010/main" val="1399202729"/>
+        <p14:creationId xmlns:p14="http://schemas.microsoft.com/office/powerpoint/2010/main" val="2027043380"/>
       </p:ext>
     </p:extLst>
   </p:cSld>
@@ -1181,7 +1173,7 @@
     </p:spTree>
     <p:extLst>
       <p:ext uri="{BB962C8B-B14F-4D97-AF65-F5344CB8AC3E}">
-        <p14:creationId xmlns:p14="http://schemas.microsoft.com/office/powerpoint/2010/main" val="1851592101"/>
+        <p14:creationId xmlns:p14="http://schemas.microsoft.com/office/powerpoint/2010/main" val="1399202729"/>
       </p:ext>
     </p:extLst>
   </p:cSld>
@@ -1265,7 +1257,7 @@
     </p:spTree>
     <p:extLst>
       <p:ext uri="{BB962C8B-B14F-4D97-AF65-F5344CB8AC3E}">
-        <p14:creationId xmlns:p14="http://schemas.microsoft.com/office/powerpoint/2010/main" val="1092850286"/>
+        <p14:creationId xmlns:p14="http://schemas.microsoft.com/office/powerpoint/2010/main" val="1851592101"/>
       </p:ext>
     </p:extLst>
   </p:cSld>
@@ -1349,7 +1341,7 @@
     </p:spTree>
     <p:extLst>
       <p:ext uri="{BB962C8B-B14F-4D97-AF65-F5344CB8AC3E}">
-        <p14:creationId xmlns:p14="http://schemas.microsoft.com/office/powerpoint/2010/main" val="357249835"/>
+        <p14:creationId xmlns:p14="http://schemas.microsoft.com/office/powerpoint/2010/main" val="1092850286"/>
       </p:ext>
     </p:extLst>
   </p:cSld>
@@ -1433,7 +1425,7 @@
     </p:spTree>
     <p:extLst>
       <p:ext uri="{BB962C8B-B14F-4D97-AF65-F5344CB8AC3E}">
-        <p14:creationId xmlns:p14="http://schemas.microsoft.com/office/powerpoint/2010/main" val="1809149328"/>
+        <p14:creationId xmlns:p14="http://schemas.microsoft.com/office/powerpoint/2010/main" val="357249835"/>
       </p:ext>
     </p:extLst>
   </p:cSld>
@@ -1823,14 +1815,6 @@
           <a:bodyPr/>
           <a:lstStyle/>
           <a:p>
-            <a:r>
-              <a:rPr lang="en-US" sz="1200" dirty="0" err="1" smtClean="0"/>
-              <a:t>ChatOps</a:t>
-            </a:r>
-            <a:r>
-              <a:rPr lang="en-US" sz="1200" baseline="0" dirty="0" smtClean="0"/>
-              <a:t> enables engineers to spend more time up front automating/testing and all members of the team can then monitor</a:t>
-            </a:r>
             <a:endParaRPr lang="en-US" sz="1200" dirty="0" smtClean="0"/>
           </a:p>
         </p:txBody>
@@ -1861,7 +1845,7 @@
     </p:spTree>
     <p:extLst>
       <p:ext uri="{BB962C8B-B14F-4D97-AF65-F5344CB8AC3E}">
-        <p14:creationId xmlns:p14="http://schemas.microsoft.com/office/powerpoint/2010/main" val="1464113184"/>
+        <p14:creationId xmlns:p14="http://schemas.microsoft.com/office/powerpoint/2010/main" val="650037092"/>
       </p:ext>
     </p:extLst>
   </p:cSld>
@@ -1915,6 +1899,14 @@
           <a:bodyPr/>
           <a:lstStyle/>
           <a:p>
+            <a:r>
+              <a:rPr lang="en-US" sz="1200" dirty="0" smtClean="0"/>
+              <a:t>ChatOps</a:t>
+            </a:r>
+            <a:r>
+              <a:rPr lang="en-US" sz="1200" baseline="0" dirty="0" smtClean="0"/>
+              <a:t> enables engineers to spend more time up front automating/testing and all members of the team can then monitor</a:t>
+            </a:r>
             <a:endParaRPr lang="en-US" sz="1200" dirty="0" smtClean="0"/>
           </a:p>
         </p:txBody>
@@ -1945,7 +1937,7 @@
     </p:spTree>
     <p:extLst>
       <p:ext uri="{BB962C8B-B14F-4D97-AF65-F5344CB8AC3E}">
-        <p14:creationId xmlns:p14="http://schemas.microsoft.com/office/powerpoint/2010/main" val="1621479567"/>
+        <p14:creationId xmlns:p14="http://schemas.microsoft.com/office/powerpoint/2010/main" val="1464113184"/>
       </p:ext>
     </p:extLst>
   </p:cSld>
@@ -2029,7 +2021,7 @@
     </p:spTree>
     <p:extLst>
       <p:ext uri="{BB962C8B-B14F-4D97-AF65-F5344CB8AC3E}">
-        <p14:creationId xmlns:p14="http://schemas.microsoft.com/office/powerpoint/2010/main" val="133802957"/>
+        <p14:creationId xmlns:p14="http://schemas.microsoft.com/office/powerpoint/2010/main" val="1621479567"/>
       </p:ext>
     </p:extLst>
   </p:cSld>
@@ -2113,7 +2105,7 @@
     </p:spTree>
     <p:extLst>
       <p:ext uri="{BB962C8B-B14F-4D97-AF65-F5344CB8AC3E}">
-        <p14:creationId xmlns:p14="http://schemas.microsoft.com/office/powerpoint/2010/main" val="1039052763"/>
+        <p14:creationId xmlns:p14="http://schemas.microsoft.com/office/powerpoint/2010/main" val="133802957"/>
       </p:ext>
     </p:extLst>
   </p:cSld>
@@ -2197,7 +2189,7 @@
     </p:spTree>
     <p:extLst>
       <p:ext uri="{BB962C8B-B14F-4D97-AF65-F5344CB8AC3E}">
-        <p14:creationId xmlns:p14="http://schemas.microsoft.com/office/powerpoint/2010/main" val="259811819"/>
+        <p14:creationId xmlns:p14="http://schemas.microsoft.com/office/powerpoint/2010/main" val="1039052763"/>
       </p:ext>
     </p:extLst>
   </p:cSld>
@@ -2281,7 +2273,7 @@
     </p:spTree>
     <p:extLst>
       <p:ext uri="{BB962C8B-B14F-4D97-AF65-F5344CB8AC3E}">
-        <p14:creationId xmlns:p14="http://schemas.microsoft.com/office/powerpoint/2010/main" val="1472923645"/>
+        <p14:creationId xmlns:p14="http://schemas.microsoft.com/office/powerpoint/2010/main" val="259811819"/>
       </p:ext>
     </p:extLst>
   </p:cSld>
@@ -2365,7 +2357,7 @@
     </p:spTree>
     <p:extLst>
       <p:ext uri="{BB962C8B-B14F-4D97-AF65-F5344CB8AC3E}">
-        <p14:creationId xmlns:p14="http://schemas.microsoft.com/office/powerpoint/2010/main" val="411707927"/>
+        <p14:creationId xmlns:p14="http://schemas.microsoft.com/office/powerpoint/2010/main" val="1472923645"/>
       </p:ext>
     </p:extLst>
   </p:cSld>
@@ -2823,40 +2815,7 @@
                 <a:ea typeface="Courier" charset="0"/>
                 <a:cs typeface="Courier" charset="0"/>
               </a:rPr>
-              <a:t>@</a:t>
-            </a:r>
-            <a:r>
-              <a:rPr lang="en-US" sz="2400" b="0" dirty="0" err="1" smtClean="0">
-                <a:solidFill>
-                  <a:schemeClr val="bg1"/>
-                </a:solidFill>
-                <a:latin typeface="Courier" charset="0"/>
-                <a:ea typeface="Courier" charset="0"/>
-                <a:cs typeface="Courier" charset="0"/>
-              </a:rPr>
-              <a:t>scottnasello</a:t>
-            </a:r>
-            <a:r>
-              <a:rPr lang="en-US" sz="2400" b="0" dirty="0" smtClean="0">
-                <a:solidFill>
-                  <a:schemeClr val="bg1"/>
-                </a:solidFill>
-                <a:latin typeface="Courier" charset="0"/>
-                <a:ea typeface="Courier" charset="0"/>
-                <a:cs typeface="Courier" charset="0"/>
-              </a:rPr>
-              <a:t> | @</a:t>
-            </a:r>
-            <a:r>
-              <a:rPr lang="en-US" sz="2400" b="0" dirty="0" err="1" smtClean="0">
-                <a:solidFill>
-                  <a:schemeClr val="bg1"/>
-                </a:solidFill>
-                <a:latin typeface="Courier" charset="0"/>
-                <a:ea typeface="Courier" charset="0"/>
-                <a:cs typeface="Courier" charset="0"/>
-              </a:rPr>
-              <a:t>DevOpsDaysRox</a:t>
+              <a:t>@scottnasello | @DevOpsDaysRox</a:t>
             </a:r>
             <a:endParaRPr lang="en-US" sz="2400" b="0" dirty="0">
               <a:solidFill>
@@ -3300,15 +3259,7 @@
                 <a:ea typeface="Courier" charset="0"/>
                 <a:cs typeface="Courier" charset="0"/>
               </a:rPr>
-              <a:t>” – Guido </a:t>
-            </a:r>
-            <a:r>
-              <a:rPr lang="en-US" sz="5400" dirty="0" smtClean="0">
-                <a:latin typeface="Courier" charset="0"/>
-                <a:ea typeface="Courier" charset="0"/>
-                <a:cs typeface="Courier" charset="0"/>
-              </a:rPr>
-              <a:t>P.</a:t>
+              <a:t>” – Guido P.</a:t>
             </a:r>
             <a:endParaRPr lang="en-US" sz="5400" dirty="0">
               <a:latin typeface="Courier" charset="0"/>
@@ -3399,103 +3350,88 @@
         </p:nvSpPr>
         <p:spPr>
           <a:xfrm>
-            <a:off x="289560" y="2766219"/>
-            <a:ext cx="11064240" cy="1790541"/>
-          </a:xfrm>
-        </p:spPr>
-        <p:txBody>
-          <a:bodyPr>
-            <a:noAutofit/>
-          </a:bodyPr>
-          <a:lstStyle/>
-          <a:p>
-            <a:r>
-              <a:rPr lang="is-IS" sz="5400" dirty="0" smtClean="0"/>
-              <a:t>… permissions</a:t>
-            </a:r>
-            <a:endParaRPr lang="en-US" sz="5400" dirty="0">
-              <a:latin typeface="Courier" charset="0"/>
-              <a:ea typeface="Courier" charset="0"/>
-              <a:cs typeface="Courier" charset="0"/>
-            </a:endParaRPr>
-          </a:p>
-        </p:txBody>
-      </p:sp>
-      <p:sp>
-        <p:nvSpPr>
-          <p:cNvPr id="4" name="Title 1"/>
-          <p:cNvSpPr txBox="1">
-            <a:spLocks/>
-          </p:cNvSpPr>
-          <p:nvPr/>
-        </p:nvSpPr>
-        <p:spPr>
-          <a:xfrm>
             <a:off x="289560" y="406400"/>
             <a:ext cx="11064240" cy="5641473"/>
           </a:xfrm>
-          <a:prstGeom prst="rect">
-            <a:avLst/>
-          </a:prstGeom>
         </p:spPr>
         <p:txBody>
-          <a:bodyPr vert="horz" lIns="91440" tIns="45720" rIns="91440" bIns="45720" rtlCol="0" anchor="t">
+          <a:bodyPr anchor="t">
             <a:noAutofit/>
           </a:bodyPr>
-          <a:lstStyle>
-            <a:lvl1pPr algn="ctr" defTabSz="914400" rtl="0" eaLnBrk="1" latinLnBrk="0" hangingPunct="1">
-              <a:lnSpc>
-                <a:spcPct val="90000"/>
-              </a:lnSpc>
-              <a:spcBef>
-                <a:spcPct val="0"/>
-              </a:spcBef>
-              <a:buNone/>
-              <a:defRPr sz="4400" kern="1200">
-                <a:solidFill>
-                  <a:schemeClr val="bg1"/>
-                </a:solidFill>
-                <a:latin typeface="Courier" charset="0"/>
-                <a:ea typeface="Courier" charset="0"/>
-                <a:cs typeface="Courier" charset="0"/>
-              </a:defRPr>
-            </a:lvl1pPr>
-          </a:lstStyle>
+          <a:lstStyle/>
           <a:p>
             <a:pPr algn="l"/>
             <a:r>
-              <a:rPr lang="en-US" sz="5400" dirty="0" smtClean="0">
-                <a:solidFill>
-                  <a:schemeClr val="bg1">
-                    <a:lumMod val="65000"/>
-                  </a:schemeClr>
-                </a:solidFill>
-              </a:rPr>
+              <a:rPr lang="en-US" sz="5400" dirty="0" smtClean="0"/>
               <a:t>fric·tion</a:t>
             </a:r>
             <a:br>
-              <a:rPr lang="en-US" sz="5400" dirty="0" smtClean="0">
-                <a:solidFill>
-                  <a:schemeClr val="bg1">
-                    <a:lumMod val="65000"/>
-                  </a:schemeClr>
-                </a:solidFill>
-              </a:rPr>
+              <a:rPr lang="en-US" sz="5400" dirty="0" smtClean="0"/>
             </a:br>
-            <a:endParaRPr lang="en-US" sz="4800" dirty="0">
-              <a:solidFill>
-                <a:schemeClr val="bg1">
-                  <a:lumMod val="65000"/>
-                </a:schemeClr>
-              </a:solidFill>
-            </a:endParaRPr>
+            <a:r>
+              <a:rPr lang="en-US" sz="3600" dirty="0" smtClean="0"/>
+              <a:t>/frikSH(</a:t>
+            </a:r>
+            <a:r>
+              <a:rPr lang="en-US" sz="3600" dirty="0" err="1" smtClean="0"/>
+              <a:t>ə</a:t>
+            </a:r>
+            <a:r>
+              <a:rPr lang="en-US" sz="3600" dirty="0" smtClean="0"/>
+              <a:t>)n/</a:t>
+            </a:r>
+            <a:r>
+              <a:rPr lang="en-US" sz="4800" dirty="0" smtClean="0"/>
+              <a:t/>
+            </a:r>
+            <a:br>
+              <a:rPr lang="en-US" sz="4800" dirty="0" smtClean="0"/>
+            </a:br>
+            <a:r>
+              <a:rPr lang="en-US" sz="4800" dirty="0"/>
+              <a:t/>
+            </a:r>
+            <a:br>
+              <a:rPr lang="en-US" sz="4800" dirty="0"/>
+            </a:br>
+            <a:r>
+              <a:rPr lang="en-US" sz="3600" i="1" dirty="0" smtClean="0"/>
+              <a:t>noun</a:t>
+            </a:r>
+            <a:r>
+              <a:rPr lang="en-US" sz="3600" dirty="0" smtClean="0"/>
+              <a:t/>
+            </a:r>
+            <a:br>
+              <a:rPr lang="en-US" sz="3600" dirty="0" smtClean="0"/>
+            </a:br>
+            <a:r>
+              <a:rPr lang="en-US" sz="3600" dirty="0" smtClean="0"/>
+              <a:t/>
+            </a:r>
+            <a:br>
+              <a:rPr lang="en-US" sz="3600" dirty="0" smtClean="0"/>
+            </a:br>
+            <a:r>
+              <a:rPr lang="en-US" sz="3600" dirty="0" smtClean="0"/>
+              <a:t>conflict </a:t>
+            </a:r>
+            <a:r>
+              <a:rPr lang="en-US" sz="3600" dirty="0"/>
+              <a:t>or animosity caused by a clash of wills, temperaments, or </a:t>
+            </a:r>
+            <a:r>
+              <a:rPr lang="en-US" sz="3600" dirty="0" smtClean="0"/>
+              <a:t>opinions. </a:t>
+            </a:r>
+            <a:endParaRPr lang="en-US" sz="4800" dirty="0"/>
           </a:p>
         </p:txBody>
       </p:sp>
     </p:spTree>
     <p:extLst>
       <p:ext uri="{BB962C8B-B14F-4D97-AF65-F5344CB8AC3E}">
-        <p14:creationId xmlns:p14="http://schemas.microsoft.com/office/powerpoint/2010/main" val="711198599"/>
+        <p14:creationId xmlns:p14="http://schemas.microsoft.com/office/powerpoint/2010/main" val="1836124931"/>
       </p:ext>
     </p:extLst>
   </p:cSld>
@@ -3585,7 +3521,7 @@
           <a:p>
             <a:r>
               <a:rPr lang="is-IS" sz="5400" dirty="0" smtClean="0"/>
-              <a:t>… dependencies</a:t>
+              <a:t>… permissions</a:t>
             </a:r>
             <a:endParaRPr lang="en-US" sz="5400" dirty="0">
               <a:latin typeface="Courier" charset="0"/>
@@ -3669,7 +3605,7 @@
     </p:spTree>
     <p:extLst>
       <p:ext uri="{BB962C8B-B14F-4D97-AF65-F5344CB8AC3E}">
-        <p14:creationId xmlns:p14="http://schemas.microsoft.com/office/powerpoint/2010/main" val="1175275077"/>
+        <p14:creationId xmlns:p14="http://schemas.microsoft.com/office/powerpoint/2010/main" val="711198599"/>
       </p:ext>
     </p:extLst>
   </p:cSld>
@@ -3759,7 +3695,7 @@
           <a:p>
             <a:r>
               <a:rPr lang="is-IS" sz="5400" dirty="0" smtClean="0"/>
-              <a:t>… training &amp; experience</a:t>
+              <a:t>… dependencies</a:t>
             </a:r>
             <a:endParaRPr lang="en-US" sz="5400" dirty="0">
               <a:latin typeface="Courier" charset="0"/>
@@ -3843,7 +3779,7 @@
     </p:spTree>
     <p:extLst>
       <p:ext uri="{BB962C8B-B14F-4D97-AF65-F5344CB8AC3E}">
-        <p14:creationId xmlns:p14="http://schemas.microsoft.com/office/powerpoint/2010/main" val="1227509666"/>
+        <p14:creationId xmlns:p14="http://schemas.microsoft.com/office/powerpoint/2010/main" val="1175275077"/>
       </p:ext>
     </p:extLst>
   </p:cSld>
@@ -3933,7 +3869,7 @@
           <a:p>
             <a:r>
               <a:rPr lang="is-IS" sz="5400" dirty="0" smtClean="0"/>
-              <a:t>… context</a:t>
+              <a:t>… training &amp; experience</a:t>
             </a:r>
             <a:endParaRPr lang="en-US" sz="5400" dirty="0">
               <a:latin typeface="Courier" charset="0"/>
@@ -4017,7 +3953,7 @@
     </p:spTree>
     <p:extLst>
       <p:ext uri="{BB962C8B-B14F-4D97-AF65-F5344CB8AC3E}">
-        <p14:creationId xmlns:p14="http://schemas.microsoft.com/office/powerpoint/2010/main" val="533025138"/>
+        <p14:creationId xmlns:p14="http://schemas.microsoft.com/office/powerpoint/2010/main" val="1227509666"/>
       </p:ext>
     </p:extLst>
   </p:cSld>
@@ -4107,11 +4043,7 @@
           <a:p>
             <a:r>
               <a:rPr lang="is-IS" sz="5400" dirty="0" smtClean="0"/>
-              <a:t>… </a:t>
-            </a:r>
-            <a:r>
-              <a:rPr lang="is-IS" sz="5400" dirty="0" smtClean="0"/>
-              <a:t>timezone &amp; language</a:t>
+              <a:t>… context</a:t>
             </a:r>
             <a:endParaRPr lang="en-US" sz="5400" dirty="0">
               <a:latin typeface="Courier" charset="0"/>
@@ -4195,7 +4127,7 @@
     </p:spTree>
     <p:extLst>
       <p:ext uri="{BB962C8B-B14F-4D97-AF65-F5344CB8AC3E}">
-        <p14:creationId xmlns:p14="http://schemas.microsoft.com/office/powerpoint/2010/main" val="293221817"/>
+        <p14:creationId xmlns:p14="http://schemas.microsoft.com/office/powerpoint/2010/main" val="533025138"/>
       </p:ext>
     </p:extLst>
   </p:cSld>
@@ -4285,7 +4217,7 @@
           <a:p>
             <a:r>
               <a:rPr lang="is-IS" sz="5400" dirty="0" smtClean="0"/>
-              <a:t>… organization structure</a:t>
+              <a:t>… timezone &amp; language</a:t>
             </a:r>
             <a:endParaRPr lang="en-US" sz="5400" dirty="0">
               <a:latin typeface="Courier" charset="0"/>
@@ -4369,7 +4301,7 @@
     </p:spTree>
     <p:extLst>
       <p:ext uri="{BB962C8B-B14F-4D97-AF65-F5344CB8AC3E}">
-        <p14:creationId xmlns:p14="http://schemas.microsoft.com/office/powerpoint/2010/main" val="522912830"/>
+        <p14:creationId xmlns:p14="http://schemas.microsoft.com/office/powerpoint/2010/main" val="293221817"/>
       </p:ext>
     </p:extLst>
   </p:cSld>
@@ -4459,7 +4391,7 @@
           <a:p>
             <a:r>
               <a:rPr lang="is-IS" sz="5400" dirty="0" smtClean="0"/>
-              <a:t>… tribal knowledge</a:t>
+              <a:t>… organization structure</a:t>
             </a:r>
             <a:endParaRPr lang="en-US" sz="5400" dirty="0">
               <a:latin typeface="Courier" charset="0"/>
@@ -4543,7 +4475,7 @@
     </p:spTree>
     <p:extLst>
       <p:ext uri="{BB962C8B-B14F-4D97-AF65-F5344CB8AC3E}">
-        <p14:creationId xmlns:p14="http://schemas.microsoft.com/office/powerpoint/2010/main" val="615632383"/>
+        <p14:creationId xmlns:p14="http://schemas.microsoft.com/office/powerpoint/2010/main" val="522912830"/>
       </p:ext>
     </p:extLst>
   </p:cSld>
@@ -4621,88 +4553,103 @@
         </p:nvSpPr>
         <p:spPr>
           <a:xfrm>
+            <a:off x="289560" y="2766219"/>
+            <a:ext cx="11064240" cy="1790541"/>
+          </a:xfrm>
+        </p:spPr>
+        <p:txBody>
+          <a:bodyPr>
+            <a:noAutofit/>
+          </a:bodyPr>
+          <a:lstStyle/>
+          <a:p>
+            <a:r>
+              <a:rPr lang="is-IS" sz="5400" dirty="0" smtClean="0"/>
+              <a:t>… tribal knowledge</a:t>
+            </a:r>
+            <a:endParaRPr lang="en-US" sz="5400" dirty="0">
+              <a:latin typeface="Courier" charset="0"/>
+              <a:ea typeface="Courier" charset="0"/>
+              <a:cs typeface="Courier" charset="0"/>
+            </a:endParaRPr>
+          </a:p>
+        </p:txBody>
+      </p:sp>
+      <p:sp>
+        <p:nvSpPr>
+          <p:cNvPr id="4" name="Title 1"/>
+          <p:cNvSpPr txBox="1">
+            <a:spLocks/>
+          </p:cNvSpPr>
+          <p:nvPr/>
+        </p:nvSpPr>
+        <p:spPr>
+          <a:xfrm>
             <a:off x="289560" y="406400"/>
             <a:ext cx="11064240" cy="5641473"/>
           </a:xfrm>
+          <a:prstGeom prst="rect">
+            <a:avLst/>
+          </a:prstGeom>
         </p:spPr>
         <p:txBody>
-          <a:bodyPr anchor="t">
+          <a:bodyPr vert="horz" lIns="91440" tIns="45720" rIns="91440" bIns="45720" rtlCol="0" anchor="t">
             <a:noAutofit/>
           </a:bodyPr>
-          <a:lstStyle/>
+          <a:lstStyle>
+            <a:lvl1pPr algn="ctr" defTabSz="914400" rtl="0" eaLnBrk="1" latinLnBrk="0" hangingPunct="1">
+              <a:lnSpc>
+                <a:spcPct val="90000"/>
+              </a:lnSpc>
+              <a:spcBef>
+                <a:spcPct val="0"/>
+              </a:spcBef>
+              <a:buNone/>
+              <a:defRPr sz="4400" kern="1200">
+                <a:solidFill>
+                  <a:schemeClr val="bg1"/>
+                </a:solidFill>
+                <a:latin typeface="Courier" charset="0"/>
+                <a:ea typeface="Courier" charset="0"/>
+                <a:cs typeface="Courier" charset="0"/>
+              </a:defRPr>
+            </a:lvl1pPr>
+          </a:lstStyle>
           <a:p>
             <a:pPr algn="l"/>
             <a:r>
-              <a:rPr lang="en-US" sz="5400" dirty="0" smtClean="0"/>
-              <a:t>trans·par·en·cy</a:t>
+              <a:rPr lang="en-US" sz="5400" dirty="0" smtClean="0">
+                <a:solidFill>
+                  <a:schemeClr val="bg1">
+                    <a:lumMod val="65000"/>
+                  </a:schemeClr>
+                </a:solidFill>
+              </a:rPr>
+              <a:t>fric·tion</a:t>
             </a:r>
             <a:br>
-              <a:rPr lang="en-US" sz="5400" dirty="0" smtClean="0"/>
+              <a:rPr lang="en-US" sz="5400" dirty="0" smtClean="0">
+                <a:solidFill>
+                  <a:schemeClr val="bg1">
+                    <a:lumMod val="65000"/>
+                  </a:schemeClr>
+                </a:solidFill>
+              </a:rPr>
             </a:br>
-            <a:r>
-              <a:rPr lang="en-US" sz="3600" dirty="0"/>
-              <a:t>/</a:t>
-            </a:r>
-            <a:r>
-              <a:rPr lang="en-US" sz="3600" dirty="0" smtClean="0"/>
-              <a:t>tran</a:t>
-            </a:r>
-            <a:r>
-              <a:rPr lang="en-US" sz="3600" dirty="0"/>
-              <a:t>ˈsperənsē</a:t>
-            </a:r>
-            <a:r>
-              <a:rPr lang="en-US" sz="3600" dirty="0" smtClean="0"/>
-              <a:t>/</a:t>
-            </a:r>
-            <a:br>
-              <a:rPr lang="en-US" sz="3600" dirty="0" smtClean="0"/>
-            </a:br>
-            <a:r>
-              <a:rPr lang="en-US" sz="3600" dirty="0"/>
-              <a:t/>
-            </a:r>
-            <a:br>
-              <a:rPr lang="en-US" sz="3600" dirty="0"/>
-            </a:br>
-            <a:r>
-              <a:rPr lang="en-US" sz="3600" i="1" dirty="0" smtClean="0"/>
-              <a:t>noun</a:t>
-            </a:r>
-            <a:br>
-              <a:rPr lang="en-US" sz="3600" i="1" dirty="0" smtClean="0"/>
-            </a:br>
-            <a:r>
-              <a:rPr lang="en-US" sz="3600" dirty="0"/>
-              <a:t/>
-            </a:r>
-            <a:br>
-              <a:rPr lang="en-US" sz="3600" dirty="0"/>
-            </a:br>
-            <a:r>
-              <a:rPr lang="en-US" sz="3600" dirty="0"/>
-              <a:t>operating in such a way that it is easy for others to see what actions are performed. </a:t>
-            </a:r>
-            <a:r>
-              <a:rPr lang="en-US" sz="3600" dirty="0" smtClean="0"/>
-              <a:t>(implies </a:t>
-            </a:r>
-            <a:r>
-              <a:rPr lang="en-US" sz="3600" dirty="0"/>
-              <a:t>openness, communication, and </a:t>
-            </a:r>
-            <a:r>
-              <a:rPr lang="en-US" sz="3600" dirty="0" smtClean="0"/>
-              <a:t>accountability)</a:t>
-            </a:r>
-            <a:endParaRPr lang="en-US" sz="3600" dirty="0"/>
+            <a:endParaRPr lang="en-US" sz="4800" dirty="0">
+              <a:solidFill>
+                <a:schemeClr val="bg1">
+                  <a:lumMod val="65000"/>
+                </a:schemeClr>
+              </a:solidFill>
+            </a:endParaRPr>
           </a:p>
         </p:txBody>
       </p:sp>
     </p:spTree>
     <p:extLst>
       <p:ext uri="{BB962C8B-B14F-4D97-AF65-F5344CB8AC3E}">
-        <p14:creationId xmlns:p14="http://schemas.microsoft.com/office/powerpoint/2010/main" val="846221566"/>
+        <p14:creationId xmlns:p14="http://schemas.microsoft.com/office/powerpoint/2010/main" val="615632383"/>
       </p:ext>
     </p:extLst>
   </p:cSld>
@@ -4792,7 +4739,7 @@
           <a:p>
             <a:r>
               <a:rPr lang="is-IS" sz="5400" dirty="0" smtClean="0"/>
-              <a:t>… logging</a:t>
+              <a:t>… transparency</a:t>
             </a:r>
             <a:endParaRPr lang="en-US" sz="5400" dirty="0">
               <a:latin typeface="Courier" charset="0"/>
@@ -4845,14 +4792,14 @@
           <a:p>
             <a:pPr algn="l"/>
             <a:r>
-              <a:rPr lang="en-US" sz="5400" smtClean="0">
+              <a:rPr lang="en-US" sz="5400" dirty="0">
                 <a:solidFill>
                   <a:schemeClr val="bg1">
                     <a:lumMod val="65000"/>
                   </a:schemeClr>
                 </a:solidFill>
               </a:rPr>
-              <a:t>trans·par·en·cy</a:t>
+              <a:t>fric·tion</a:t>
             </a:r>
             <a:endParaRPr lang="en-US" sz="3600" dirty="0">
               <a:solidFill>
@@ -5010,14 +4957,14 @@
           <a:p>
             <a:pPr algn="l"/>
             <a:r>
-              <a:rPr lang="en-US" sz="5400" smtClean="0">
+              <a:rPr lang="en-US" sz="5400" dirty="0">
                 <a:solidFill>
                   <a:schemeClr val="bg1">
                     <a:lumMod val="65000"/>
                   </a:schemeClr>
                 </a:solidFill>
               </a:rPr>
-              <a:t>trans·par·en·cy</a:t>
+              <a:t>fric·tion</a:t>
             </a:r>
             <a:endParaRPr lang="en-US" sz="3600" dirty="0">
               <a:solidFill>
@@ -5122,27 +5069,23 @@
           <a:p>
             <a:pPr algn="l"/>
             <a:r>
+              <a:rPr lang="en-US" sz="5400" dirty="0"/>
+              <a:t>change a·gent</a:t>
+            </a:r>
+            <a:r>
               <a:rPr lang="en-US" sz="5400" dirty="0" smtClean="0"/>
-              <a:t>chat·ops</a:t>
+              <a:t/>
             </a:r>
             <a:br>
               <a:rPr lang="en-US" sz="5400" dirty="0" smtClean="0"/>
             </a:br>
             <a:r>
-              <a:rPr lang="en-US" sz="3600" dirty="0"/>
-              <a:t>/Chat </a:t>
-            </a:r>
-            <a:r>
-              <a:rPr lang="en-US" sz="3600" dirty="0" err="1" smtClean="0"/>
-              <a:t>äps</a:t>
-            </a:r>
-            <a:r>
               <a:rPr lang="en-US" sz="3600" dirty="0" smtClean="0"/>
               <a:t>/</a:t>
             </a:r>
             <a:r>
               <a:rPr lang="en-US" sz="3600" dirty="0"/>
-              <a:t/>
+              <a:t>CHānjˈājənt/</a:t>
             </a:r>
             <a:br>
               <a:rPr lang="en-US" sz="3600" dirty="0"/>
@@ -5174,7 +5117,33 @@
             </a:br>
             <a:r>
               <a:rPr lang="en-US" sz="3600" dirty="0" smtClean="0"/>
-              <a:t>A collaboration model that connects people, tools, process, and automation into a transparent workflow.</a:t>
+              <a:t>A </a:t>
+            </a:r>
+            <a:r>
+              <a:rPr lang="en-US" sz="3600" strike="sngStrike" dirty="0">
+                <a:solidFill>
+                  <a:schemeClr val="bg1">
+                    <a:lumMod val="65000"/>
+                  </a:schemeClr>
+                </a:solidFill>
+              </a:rPr>
+              <a:t>person</a:t>
+            </a:r>
+            <a:r>
+              <a:rPr lang="en-US" sz="3600" dirty="0"/>
+              <a:t> </a:t>
+            </a:r>
+            <a:r>
+              <a:rPr lang="en-US" sz="3600" dirty="0" smtClean="0"/>
+              <a:t>who helps </a:t>
+            </a:r>
+            <a:r>
+              <a:rPr lang="en-US" sz="3600" dirty="0"/>
+              <a:t>an organization transform itself by focusing on such matters as organizational effectiveness, improvement, and development..</a:t>
+            </a:r>
+            <a:r>
+              <a:rPr lang="en-US" sz="3600" dirty="0" smtClean="0"/>
+              <a:t/>
             </a:r>
             <a:br>
               <a:rPr lang="en-US" sz="3600" dirty="0" smtClean="0"/>
@@ -5333,14 +5302,14 @@
           <a:p>
             <a:pPr algn="l"/>
             <a:r>
-              <a:rPr lang="en-US" sz="5400" smtClean="0">
+              <a:rPr lang="en-US" sz="5400" dirty="0">
                 <a:solidFill>
                   <a:schemeClr val="bg1">
                     <a:lumMod val="65000"/>
                   </a:schemeClr>
                 </a:solidFill>
               </a:rPr>
-              <a:t>trans·par·en·cy</a:t>
+              <a:t>fric·tion</a:t>
             </a:r>
             <a:endParaRPr lang="en-US" sz="3600" dirty="0">
               <a:solidFill>
@@ -5421,66 +5390,83 @@
           </a:p>
         </p:txBody>
       </p:sp>
-      <p:pic>
-        <p:nvPicPr>
-          <p:cNvPr id="5" name="Picture 4"/>
-          <p:cNvPicPr>
-            <a:picLocks noChangeAspect="1"/>
-          </p:cNvPicPr>
-          <p:nvPr/>
-        </p:nvPicPr>
-        <p:blipFill>
-          <a:blip r:embed="rId3">
-            <a:extLst>
-              <a:ext uri="{28A0092B-C50C-407E-A947-70E740481C1C}">
-                <a14:useLocalDpi xmlns:a14="http://schemas.microsoft.com/office/drawing/2010/main" val="0"/>
-              </a:ext>
-            </a:extLst>
-          </a:blip>
-          <a:stretch>
-            <a:fillRect/>
-          </a:stretch>
-        </p:blipFill>
+      <p:sp>
+        <p:nvSpPr>
+          <p:cNvPr id="2" name="Title 1"/>
+          <p:cNvSpPr>
+            <a:spLocks noGrp="1"/>
+          </p:cNvSpPr>
+          <p:nvPr>
+            <p:ph type="title"/>
+          </p:nvPr>
+        </p:nvSpPr>
         <p:spPr>
           <a:xfrm>
-            <a:off x="7286625" y="515686"/>
-            <a:ext cx="4067175" cy="5422900"/>
-          </a:xfrm>
-          <a:prstGeom prst="rect">
-            <a:avLst/>
-          </a:prstGeom>
-        </p:spPr>
-      </p:pic>
-      <p:sp>
-        <p:nvSpPr>
-          <p:cNvPr id="6" name="Title 1"/>
-          <p:cNvSpPr>
-            <a:spLocks noGrp="1"/>
-          </p:cNvSpPr>
-          <p:nvPr>
-            <p:ph type="title"/>
-          </p:nvPr>
-        </p:nvSpPr>
-        <p:spPr>
-          <a:xfrm>
-            <a:off x="152400" y="170383"/>
-            <a:ext cx="7010400" cy="5422899"/>
+            <a:off x="289560" y="406400"/>
+            <a:ext cx="11064240" cy="5641473"/>
           </a:xfrm>
         </p:spPr>
         <p:txBody>
-          <a:bodyPr>
+          <a:bodyPr anchor="t">
             <a:noAutofit/>
           </a:bodyPr>
           <a:lstStyle/>
           <a:p>
-            <a:r>
-              <a:rPr lang="en-US" sz="5400" dirty="0" smtClean="0">
-                <a:latin typeface="Courier" charset="0"/>
-                <a:ea typeface="Courier" charset="0"/>
-                <a:cs typeface="Courier" charset="0"/>
-              </a:rPr>
-              <a:t>“Insert some quote here” </a:t>
-            </a:r>
+            <a:pPr algn="l"/>
+            <a:r>
+              <a:rPr lang="en-US" sz="5400" dirty="0" smtClean="0"/>
+              <a:t>chat·ops</a:t>
+            </a:r>
+            <a:br>
+              <a:rPr lang="en-US" sz="5400" dirty="0" smtClean="0"/>
+            </a:br>
+            <a:r>
+              <a:rPr lang="en-US" sz="3600" dirty="0"/>
+              <a:t>/Chat </a:t>
+            </a:r>
+            <a:r>
+              <a:rPr lang="en-US" sz="3600" dirty="0" smtClean="0"/>
+              <a:t>äps/</a:t>
+            </a:r>
+            <a:r>
+              <a:rPr lang="en-US" sz="3600" dirty="0"/>
+              <a:t/>
+            </a:r>
+            <a:br>
+              <a:rPr lang="en-US" sz="3600" dirty="0"/>
+            </a:br>
+            <a:r>
+              <a:rPr lang="en-US" sz="3600" dirty="0" smtClean="0"/>
+              <a:t/>
+            </a:r>
+            <a:br>
+              <a:rPr lang="en-US" sz="3600" dirty="0" smtClean="0"/>
+            </a:br>
+            <a:r>
+              <a:rPr lang="en-US" sz="3600" i="1" dirty="0" smtClean="0"/>
+              <a:t>noun</a:t>
+            </a:r>
+            <a:r>
+              <a:rPr lang="en-US" sz="3600" dirty="0" smtClean="0"/>
+              <a:t/>
+            </a:r>
+            <a:br>
+              <a:rPr lang="en-US" sz="3600" dirty="0" smtClean="0"/>
+            </a:br>
+            <a:r>
+              <a:rPr lang="en-US" sz="3600" dirty="0"/>
+              <a:t/>
+            </a:r>
+            <a:br>
+              <a:rPr lang="en-US" sz="3600" dirty="0"/>
+            </a:br>
+            <a:r>
+              <a:rPr lang="en-US" sz="3600" dirty="0" smtClean="0"/>
+              <a:t>A collaboration model that connects people, tools, process, and automation into a transparent workflow.</a:t>
+            </a:r>
+            <a:br>
+              <a:rPr lang="en-US" sz="3600" dirty="0" smtClean="0"/>
+            </a:br>
             <a:endParaRPr lang="en-US" sz="5400" dirty="0">
               <a:latin typeface="Courier" charset="0"/>
               <a:ea typeface="Courier" charset="0"/>
@@ -5489,72 +5475,10 @@
           </a:p>
         </p:txBody>
       </p:sp>
-      <p:sp>
-        <p:nvSpPr>
-          <p:cNvPr id="7" name="Title 1"/>
-          <p:cNvSpPr txBox="1">
-            <a:spLocks/>
-          </p:cNvSpPr>
-          <p:nvPr/>
-        </p:nvSpPr>
-        <p:spPr>
-          <a:xfrm>
-            <a:off x="289560" y="406400"/>
-            <a:ext cx="11064240" cy="5641473"/>
-          </a:xfrm>
-          <a:prstGeom prst="rect">
-            <a:avLst/>
-          </a:prstGeom>
-        </p:spPr>
-        <p:txBody>
-          <a:bodyPr vert="horz" lIns="91440" tIns="45720" rIns="91440" bIns="45720" rtlCol="0" anchor="t">
-            <a:noAutofit/>
-          </a:bodyPr>
-          <a:lstStyle>
-            <a:lvl1pPr algn="ctr" defTabSz="914400" rtl="0" eaLnBrk="1" latinLnBrk="0" hangingPunct="1">
-              <a:lnSpc>
-                <a:spcPct val="90000"/>
-              </a:lnSpc>
-              <a:spcBef>
-                <a:spcPct val="0"/>
-              </a:spcBef>
-              <a:buNone/>
-              <a:defRPr sz="4400" kern="1200">
-                <a:solidFill>
-                  <a:schemeClr val="bg1"/>
-                </a:solidFill>
-                <a:latin typeface="Courier" charset="0"/>
-                <a:ea typeface="Courier" charset="0"/>
-                <a:cs typeface="Courier" charset="0"/>
-              </a:defRPr>
-            </a:lvl1pPr>
-          </a:lstStyle>
-          <a:p>
-            <a:pPr algn="l"/>
-            <a:r>
-              <a:rPr lang="en-US" sz="5400" dirty="0" smtClean="0">
-                <a:solidFill>
-                  <a:schemeClr val="bg1">
-                    <a:lumMod val="65000"/>
-                  </a:schemeClr>
-                </a:solidFill>
-              </a:rPr>
-              <a:t>chat·ops</a:t>
-            </a:r>
-            <a:endParaRPr lang="en-US" sz="5400" dirty="0">
-              <a:solidFill>
-                <a:schemeClr val="bg1">
-                  <a:lumMod val="65000"/>
-                </a:schemeClr>
-              </a:solidFill>
-            </a:endParaRPr>
-          </a:p>
-        </p:txBody>
-      </p:sp>
     </p:spTree>
     <p:extLst>
       <p:ext uri="{BB962C8B-B14F-4D97-AF65-F5344CB8AC3E}">
-        <p14:creationId xmlns:p14="http://schemas.microsoft.com/office/powerpoint/2010/main" val="1964855129"/>
+        <p14:creationId xmlns:p14="http://schemas.microsoft.com/office/powerpoint/2010/main" val="1259626574"/>
       </p:ext>
     </p:extLst>
   </p:cSld>
@@ -5620,100 +5544,132 @@
           </a:p>
         </p:txBody>
       </p:sp>
-      <p:sp>
-        <p:nvSpPr>
-          <p:cNvPr id="2" name="Title 1"/>
+      <p:pic>
+        <p:nvPicPr>
+          <p:cNvPr id="5" name="Picture 4"/>
+          <p:cNvPicPr>
+            <a:picLocks noChangeAspect="1"/>
+          </p:cNvPicPr>
+          <p:nvPr/>
+        </p:nvPicPr>
+        <p:blipFill>
+          <a:blip r:embed="rId3">
+            <a:extLst>
+              <a:ext uri="{28A0092B-C50C-407E-A947-70E740481C1C}">
+                <a14:useLocalDpi xmlns:a14="http://schemas.microsoft.com/office/drawing/2010/main" val="0"/>
+              </a:ext>
+            </a:extLst>
+          </a:blip>
+          <a:stretch>
+            <a:fillRect/>
+          </a:stretch>
+        </p:blipFill>
+        <p:spPr>
+          <a:xfrm>
+            <a:off x="7286625" y="515686"/>
+            <a:ext cx="4067175" cy="5422900"/>
+          </a:xfrm>
+          <a:prstGeom prst="rect">
+            <a:avLst/>
+          </a:prstGeom>
+        </p:spPr>
+      </p:pic>
+      <p:sp>
+        <p:nvSpPr>
+          <p:cNvPr id="6" name="Title 1"/>
           <p:cNvSpPr>
             <a:spLocks noGrp="1"/>
           </p:cNvSpPr>
           <p:nvPr>
             <p:ph type="title"/>
           </p:nvPr>
+        </p:nvSpPr>
+        <p:spPr>
+          <a:xfrm>
+            <a:off x="152400" y="170383"/>
+            <a:ext cx="7010400" cy="5422899"/>
+          </a:xfrm>
+        </p:spPr>
+        <p:txBody>
+          <a:bodyPr>
+            <a:noAutofit/>
+          </a:bodyPr>
+          <a:lstStyle/>
+          <a:p>
+            <a:r>
+              <a:rPr lang="en-US" sz="4800" dirty="0" smtClean="0">
+                <a:latin typeface="Courier" charset="0"/>
+                <a:ea typeface="Courier" charset="0"/>
+                <a:cs typeface="Courier" charset="0"/>
+              </a:rPr>
+              <a:t>Storage migration in progress with ChatOps monitoring</a:t>
+            </a:r>
+            <a:endParaRPr lang="en-US" sz="4800" dirty="0">
+              <a:latin typeface="Courier" charset="0"/>
+              <a:ea typeface="Courier" charset="0"/>
+              <a:cs typeface="Courier" charset="0"/>
+            </a:endParaRPr>
+          </a:p>
+        </p:txBody>
+      </p:sp>
+      <p:sp>
+        <p:nvSpPr>
+          <p:cNvPr id="7" name="Title 1"/>
+          <p:cNvSpPr txBox="1">
+            <a:spLocks/>
+          </p:cNvSpPr>
+          <p:nvPr/>
         </p:nvSpPr>
         <p:spPr>
           <a:xfrm>
             <a:off x="289560" y="406400"/>
             <a:ext cx="11064240" cy="5641473"/>
           </a:xfrm>
+          <a:prstGeom prst="rect">
+            <a:avLst/>
+          </a:prstGeom>
         </p:spPr>
         <p:txBody>
-          <a:bodyPr anchor="t">
+          <a:bodyPr vert="horz" lIns="91440" tIns="45720" rIns="91440" bIns="45720" rtlCol="0" anchor="t">
             <a:noAutofit/>
           </a:bodyPr>
-          <a:lstStyle/>
+          <a:lstStyle>
+            <a:lvl1pPr algn="ctr" defTabSz="914400" rtl="0" eaLnBrk="1" latinLnBrk="0" hangingPunct="1">
+              <a:lnSpc>
+                <a:spcPct val="90000"/>
+              </a:lnSpc>
+              <a:spcBef>
+                <a:spcPct val="0"/>
+              </a:spcBef>
+              <a:buNone/>
+              <a:defRPr sz="4400" kern="1200">
+                <a:solidFill>
+                  <a:schemeClr val="bg1"/>
+                </a:solidFill>
+                <a:latin typeface="Courier" charset="0"/>
+                <a:ea typeface="Courier" charset="0"/>
+                <a:cs typeface="Courier" charset="0"/>
+              </a:defRPr>
+            </a:lvl1pPr>
+          </a:lstStyle>
           <a:p>
             <a:pPr algn="l"/>
             <a:r>
-              <a:rPr lang="en-US" sz="5400" dirty="0" smtClean="0"/>
-              <a:t>on·board·ing</a:t>
-            </a:r>
-            <a:br>
-              <a:rPr lang="en-US" sz="5400" dirty="0" smtClean="0"/>
-            </a:br>
-            <a:r>
-              <a:rPr lang="en-US" sz="3600" dirty="0"/>
-              <a:t>/</a:t>
-            </a:r>
-            <a:r>
-              <a:rPr lang="en-US" sz="3600" dirty="0" smtClean="0"/>
-              <a:t>än</a:t>
-            </a:r>
-            <a:r>
-              <a:rPr lang="en-US" sz="3600" dirty="0"/>
-              <a:t>ˈ</a:t>
-            </a:r>
-            <a:r>
-              <a:rPr lang="en-US" sz="3600" dirty="0" smtClean="0"/>
-              <a:t>bôrdiNG</a:t>
-            </a:r>
-            <a:r>
-              <a:rPr lang="en-US" sz="3600" dirty="0"/>
-              <a:t>/</a:t>
-            </a:r>
-            <a:br>
-              <a:rPr lang="en-US" sz="3600" dirty="0"/>
-            </a:br>
-            <a:r>
-              <a:rPr lang="en-US" sz="3600" dirty="0" smtClean="0"/>
-              <a:t/>
-            </a:r>
-            <a:br>
-              <a:rPr lang="en-US" sz="3600" dirty="0" smtClean="0"/>
-            </a:br>
-            <a:r>
-              <a:rPr lang="en-US" sz="3600" i="1" dirty="0" smtClean="0"/>
-              <a:t>noun</a:t>
-            </a:r>
-            <a:r>
-              <a:rPr lang="en-US" sz="3600" dirty="0" smtClean="0"/>
-              <a:t/>
-            </a:r>
-            <a:br>
-              <a:rPr lang="en-US" sz="3600" dirty="0" smtClean="0"/>
-            </a:br>
-            <a:r>
-              <a:rPr lang="en-US" sz="3600" dirty="0"/>
-              <a:t/>
-            </a:r>
-            <a:br>
-              <a:rPr lang="en-US" sz="3600" dirty="0"/>
-            </a:br>
-            <a:r>
-              <a:rPr lang="en-US" sz="3600" dirty="0" smtClean="0"/>
-              <a:t>the </a:t>
-            </a:r>
-            <a:r>
-              <a:rPr lang="en-US" sz="3600" dirty="0"/>
-              <a:t>action or process of integrating a new employee into an organization or familiarizing a new customer or client with one's products or </a:t>
-            </a:r>
-            <a:r>
-              <a:rPr lang="en-US" sz="3600" dirty="0" smtClean="0"/>
-              <a:t>services.</a:t>
+              <a:rPr lang="en-US" sz="5400" dirty="0" smtClean="0">
+                <a:solidFill>
+                  <a:schemeClr val="bg1">
+                    <a:lumMod val="65000"/>
+                  </a:schemeClr>
+                </a:solidFill>
+              </a:rPr>
+              <a:t>chat·ops</a:t>
             </a:r>
             <a:endParaRPr lang="en-US" sz="5400" dirty="0">
-              <a:latin typeface="Courier" charset="0"/>
-              <a:ea typeface="Courier" charset="0"/>
-              <a:cs typeface="Courier" charset="0"/>
+              <a:solidFill>
+                <a:schemeClr val="bg1">
+                  <a:lumMod val="65000"/>
+                </a:schemeClr>
+              </a:solidFill>
             </a:endParaRPr>
           </a:p>
         </p:txBody>
@@ -5721,7 +5677,7 @@
     </p:spTree>
     <p:extLst>
       <p:ext uri="{BB962C8B-B14F-4D97-AF65-F5344CB8AC3E}">
-        <p14:creationId xmlns:p14="http://schemas.microsoft.com/office/powerpoint/2010/main" val="1390779645"/>
+        <p14:creationId xmlns:p14="http://schemas.microsoft.com/office/powerpoint/2010/main" val="1964855129"/>
       </p:ext>
     </p:extLst>
   </p:cSld>
@@ -5799,27 +5755,83 @@
         </p:nvSpPr>
         <p:spPr>
           <a:xfrm>
-            <a:off x="289560" y="2766219"/>
-            <a:ext cx="11064240" cy="1790541"/>
+            <a:off x="289560" y="406400"/>
+            <a:ext cx="11064240" cy="5641473"/>
           </a:xfrm>
         </p:spPr>
         <p:txBody>
-          <a:bodyPr>
+          <a:bodyPr anchor="t">
             <a:noAutofit/>
           </a:bodyPr>
           <a:lstStyle/>
           <a:p>
-            <a:r>
-              <a:rPr lang="is-IS" sz="5400" dirty="0" smtClean="0"/>
-              <a:t>… </a:t>
-            </a:r>
+            <a:pPr algn="l"/>
             <a:r>
               <a:rPr lang="en-US" sz="5400" dirty="0" smtClean="0"/>
-              <a:t>New </a:t>
-            </a:r>
-            <a:r>
+              <a:t>on·board·ing</a:t>
+            </a:r>
+            <a:br>
               <a:rPr lang="en-US" sz="5400" dirty="0" smtClean="0"/>
-              <a:t>hire day 1</a:t>
+            </a:br>
+            <a:r>
+              <a:rPr lang="en-US" sz="3600" dirty="0"/>
+              <a:t>/</a:t>
+            </a:r>
+            <a:r>
+              <a:rPr lang="en-US" sz="3600" dirty="0" smtClean="0"/>
+              <a:t>än</a:t>
+            </a:r>
+            <a:r>
+              <a:rPr lang="en-US" sz="3600" dirty="0"/>
+              <a:t>ˈ</a:t>
+            </a:r>
+            <a:r>
+              <a:rPr lang="en-US" sz="3600" dirty="0" smtClean="0"/>
+              <a:t>bôrdiNG</a:t>
+            </a:r>
+            <a:r>
+              <a:rPr lang="en-US" sz="3600" dirty="0"/>
+              <a:t>/</a:t>
+            </a:r>
+            <a:br>
+              <a:rPr lang="en-US" sz="3600" dirty="0"/>
+            </a:br>
+            <a:r>
+              <a:rPr lang="en-US" sz="3600" dirty="0" smtClean="0"/>
+              <a:t/>
+            </a:r>
+            <a:br>
+              <a:rPr lang="en-US" sz="3600" dirty="0" smtClean="0"/>
+            </a:br>
+            <a:r>
+              <a:rPr lang="en-US" sz="3600" i="1" dirty="0" smtClean="0"/>
+              <a:t>noun</a:t>
+            </a:r>
+            <a:r>
+              <a:rPr lang="en-US" sz="3600" dirty="0" smtClean="0"/>
+              <a:t/>
+            </a:r>
+            <a:br>
+              <a:rPr lang="en-US" sz="3600" dirty="0" smtClean="0"/>
+            </a:br>
+            <a:r>
+              <a:rPr lang="en-US" sz="3600" dirty="0"/>
+              <a:t/>
+            </a:r>
+            <a:br>
+              <a:rPr lang="en-US" sz="3600" dirty="0"/>
+            </a:br>
+            <a:r>
+              <a:rPr lang="en-US" sz="3600" dirty="0" smtClean="0"/>
+              <a:t>the </a:t>
+            </a:r>
+            <a:r>
+              <a:rPr lang="en-US" sz="3600" dirty="0"/>
+              <a:t>action or process of integrating a new employee into an organization or familiarizing a new customer or client with one's products or </a:t>
+            </a:r>
+            <a:r>
+              <a:rPr lang="en-US" sz="3600" dirty="0" smtClean="0"/>
+              <a:t>services.</a:t>
             </a:r>
             <a:endParaRPr lang="en-US" sz="5400" dirty="0">
               <a:latin typeface="Courier" charset="0"/>
@@ -5829,72 +5841,10 @@
           </a:p>
         </p:txBody>
       </p:sp>
-      <p:sp>
-        <p:nvSpPr>
-          <p:cNvPr id="4" name="Title 1"/>
-          <p:cNvSpPr txBox="1">
-            <a:spLocks/>
-          </p:cNvSpPr>
-          <p:nvPr/>
-        </p:nvSpPr>
-        <p:spPr>
-          <a:xfrm>
-            <a:off x="289560" y="406400"/>
-            <a:ext cx="11064240" cy="5641473"/>
-          </a:xfrm>
-          <a:prstGeom prst="rect">
-            <a:avLst/>
-          </a:prstGeom>
-        </p:spPr>
-        <p:txBody>
-          <a:bodyPr vert="horz" lIns="91440" tIns="45720" rIns="91440" bIns="45720" rtlCol="0" anchor="t">
-            <a:noAutofit/>
-          </a:bodyPr>
-          <a:lstStyle>
-            <a:lvl1pPr algn="ctr" defTabSz="914400" rtl="0" eaLnBrk="1" latinLnBrk="0" hangingPunct="1">
-              <a:lnSpc>
-                <a:spcPct val="90000"/>
-              </a:lnSpc>
-              <a:spcBef>
-                <a:spcPct val="0"/>
-              </a:spcBef>
-              <a:buNone/>
-              <a:defRPr sz="4400" kern="1200">
-                <a:solidFill>
-                  <a:schemeClr val="bg1"/>
-                </a:solidFill>
-                <a:latin typeface="Courier" charset="0"/>
-                <a:ea typeface="Courier" charset="0"/>
-                <a:cs typeface="Courier" charset="0"/>
-              </a:defRPr>
-            </a:lvl1pPr>
-          </a:lstStyle>
-          <a:p>
-            <a:pPr algn="l"/>
-            <a:r>
-              <a:rPr lang="en-US" sz="5400" dirty="0" smtClean="0">
-                <a:solidFill>
-                  <a:schemeClr val="bg1">
-                    <a:lumMod val="65000"/>
-                  </a:schemeClr>
-                </a:solidFill>
-              </a:rPr>
-              <a:t>on·board·ing</a:t>
-            </a:r>
-            <a:endParaRPr lang="en-US" sz="5400" dirty="0">
-              <a:solidFill>
-                <a:schemeClr val="bg1">
-                  <a:lumMod val="65000"/>
-                </a:schemeClr>
-              </a:solidFill>
-            </a:endParaRPr>
-          </a:p>
-        </p:txBody>
-      </p:sp>
     </p:spTree>
     <p:extLst>
       <p:ext uri="{BB962C8B-B14F-4D97-AF65-F5344CB8AC3E}">
-        <p14:creationId xmlns:p14="http://schemas.microsoft.com/office/powerpoint/2010/main" val="1861151937"/>
+        <p14:creationId xmlns:p14="http://schemas.microsoft.com/office/powerpoint/2010/main" val="1390779645"/>
       </p:ext>
     </p:extLst>
   </p:cSld>
@@ -5988,11 +5938,7 @@
             </a:r>
             <a:r>
               <a:rPr lang="en-US" sz="5400" dirty="0" smtClean="0"/>
-              <a:t>Immediate </a:t>
-            </a:r>
-            <a:r>
-              <a:rPr lang="en-US" sz="5400" dirty="0" smtClean="0"/>
-              <a:t>gratification</a:t>
+              <a:t>New hire day 1</a:t>
             </a:r>
             <a:endParaRPr lang="en-US" sz="5400" dirty="0">
               <a:latin typeface="Courier" charset="0"/>
@@ -6045,7 +5991,7 @@
           <a:p>
             <a:pPr algn="l"/>
             <a:r>
-              <a:rPr lang="en-US" sz="5400" smtClean="0">
+              <a:rPr lang="en-US" sz="5400" dirty="0" smtClean="0">
                 <a:solidFill>
                   <a:schemeClr val="bg1">
                     <a:lumMod val="65000"/>
@@ -6067,7 +6013,7 @@
     </p:spTree>
     <p:extLst>
       <p:ext uri="{BB962C8B-B14F-4D97-AF65-F5344CB8AC3E}">
-        <p14:creationId xmlns:p14="http://schemas.microsoft.com/office/powerpoint/2010/main" val="229031341"/>
+        <p14:creationId xmlns:p14="http://schemas.microsoft.com/office/powerpoint/2010/main" val="1861151937"/>
       </p:ext>
     </p:extLst>
   </p:cSld>
@@ -6156,36 +6102,12 @@
           <a:lstStyle/>
           <a:p>
             <a:r>
-              <a:rPr lang="is-IS" sz="5400" dirty="0" smtClean="0">
-                <a:latin typeface="Courier" charset="0"/>
-                <a:ea typeface="Courier" charset="0"/>
-                <a:cs typeface="Courier" charset="0"/>
-              </a:rPr>
+              <a:rPr lang="is-IS" sz="5400" dirty="0" smtClean="0"/>
               <a:t>… </a:t>
             </a:r>
             <a:r>
-              <a:rPr lang="en-US" sz="5400" dirty="0" err="1" smtClean="0">
-                <a:latin typeface="Courier" charset="0"/>
-                <a:ea typeface="Courier" charset="0"/>
-                <a:cs typeface="Courier" charset="0"/>
-              </a:rPr>
-              <a:t>Autobuild</a:t>
-            </a:r>
-            <a:r>
-              <a:rPr lang="en-US" sz="5400" dirty="0" smtClean="0">
-                <a:latin typeface="Courier" charset="0"/>
-                <a:ea typeface="Courier" charset="0"/>
-                <a:cs typeface="Courier" charset="0"/>
-              </a:rPr>
-              <a:t> </a:t>
-            </a:r>
-            <a:r>
-              <a:rPr lang="en-US" sz="5400" dirty="0" smtClean="0">
-                <a:latin typeface="Courier" charset="0"/>
-                <a:ea typeface="Courier" charset="0"/>
-                <a:cs typeface="Courier" charset="0"/>
-              </a:rPr>
-              <a:t>Coffee Scripts</a:t>
+              <a:rPr lang="en-US" sz="5400" dirty="0" smtClean="0"/>
+              <a:t>Immediate gratification</a:t>
             </a:r>
             <a:endParaRPr lang="en-US" sz="5400" dirty="0">
               <a:latin typeface="Courier" charset="0"/>
@@ -6260,7 +6182,7 @@
     </p:spTree>
     <p:extLst>
       <p:ext uri="{BB962C8B-B14F-4D97-AF65-F5344CB8AC3E}">
-        <p14:creationId xmlns:p14="http://schemas.microsoft.com/office/powerpoint/2010/main" val="274472225"/>
+        <p14:creationId xmlns:p14="http://schemas.microsoft.com/office/powerpoint/2010/main" val="229031341"/>
       </p:ext>
     </p:extLst>
   </p:cSld>
@@ -6349,24 +6271,20 @@
           <a:lstStyle/>
           <a:p>
             <a:r>
-              <a:rPr lang="is-IS" sz="5400" dirty="0" smtClean="0"/>
+              <a:rPr lang="is-IS" sz="5400" dirty="0" smtClean="0">
+                <a:latin typeface="Courier" charset="0"/>
+                <a:ea typeface="Courier" charset="0"/>
+                <a:cs typeface="Courier" charset="0"/>
+              </a:rPr>
               <a:t>… </a:t>
             </a:r>
             <a:r>
-              <a:rPr lang="en-US" sz="5400" dirty="0" err="1" smtClean="0"/>
-              <a:t>git</a:t>
-            </a:r>
-            <a:r>
-              <a:rPr lang="en-US" sz="5400" dirty="0" smtClean="0"/>
-              <a:t>, </a:t>
-            </a:r>
-            <a:r>
-              <a:rPr lang="en-US" sz="5400" dirty="0" smtClean="0"/>
-              <a:t>CI pipeline, </a:t>
-            </a:r>
-            <a:r>
-              <a:rPr lang="en-US" sz="5400" dirty="0" err="1" smtClean="0"/>
-              <a:t>Hubot</a:t>
+              <a:rPr lang="en-US" sz="5400" dirty="0" smtClean="0">
+                <a:latin typeface="Courier" charset="0"/>
+                <a:ea typeface="Courier" charset="0"/>
+                <a:cs typeface="Courier" charset="0"/>
+              </a:rPr>
+              <a:t>Autobuild Coffee Scripts</a:t>
             </a:r>
             <a:endParaRPr lang="en-US" sz="5400" dirty="0">
               <a:latin typeface="Courier" charset="0"/>
@@ -6441,7 +6359,7 @@
     </p:spTree>
     <p:extLst>
       <p:ext uri="{BB962C8B-B14F-4D97-AF65-F5344CB8AC3E}">
-        <p14:creationId xmlns:p14="http://schemas.microsoft.com/office/powerpoint/2010/main" val="276844321"/>
+        <p14:creationId xmlns:p14="http://schemas.microsoft.com/office/powerpoint/2010/main" val="274472225"/>
       </p:ext>
     </p:extLst>
   </p:cSld>
@@ -6519,88 +6437,98 @@
         </p:nvSpPr>
         <p:spPr>
           <a:xfrm>
+            <a:off x="289560" y="2766219"/>
+            <a:ext cx="11064240" cy="1790541"/>
+          </a:xfrm>
+        </p:spPr>
+        <p:txBody>
+          <a:bodyPr>
+            <a:noAutofit/>
+          </a:bodyPr>
+          <a:lstStyle/>
+          <a:p>
+            <a:r>
+              <a:rPr lang="is-IS" sz="5400" dirty="0" smtClean="0"/>
+              <a:t>… </a:t>
+            </a:r>
+            <a:r>
+              <a:rPr lang="en-US" sz="5400" dirty="0" smtClean="0"/>
+              <a:t>git, CI pipeline, Hubot</a:t>
+            </a:r>
+            <a:endParaRPr lang="en-US" sz="5400" dirty="0">
+              <a:latin typeface="Courier" charset="0"/>
+              <a:ea typeface="Courier" charset="0"/>
+              <a:cs typeface="Courier" charset="0"/>
+            </a:endParaRPr>
+          </a:p>
+        </p:txBody>
+      </p:sp>
+      <p:sp>
+        <p:nvSpPr>
+          <p:cNvPr id="4" name="Title 1"/>
+          <p:cNvSpPr txBox="1">
+            <a:spLocks/>
+          </p:cNvSpPr>
+          <p:nvPr/>
+        </p:nvSpPr>
+        <p:spPr>
+          <a:xfrm>
             <a:off x="289560" y="406400"/>
             <a:ext cx="11064240" cy="5641473"/>
           </a:xfrm>
+          <a:prstGeom prst="rect">
+            <a:avLst/>
+          </a:prstGeom>
         </p:spPr>
         <p:txBody>
-          <a:bodyPr anchor="t">
+          <a:bodyPr vert="horz" lIns="91440" tIns="45720" rIns="91440" bIns="45720" rtlCol="0" anchor="t">
             <a:noAutofit/>
           </a:bodyPr>
-          <a:lstStyle/>
+          <a:lstStyle>
+            <a:lvl1pPr algn="ctr" defTabSz="914400" rtl="0" eaLnBrk="1" latinLnBrk="0" hangingPunct="1">
+              <a:lnSpc>
+                <a:spcPct val="90000"/>
+              </a:lnSpc>
+              <a:spcBef>
+                <a:spcPct val="0"/>
+              </a:spcBef>
+              <a:buNone/>
+              <a:defRPr sz="4400" kern="1200">
+                <a:solidFill>
+                  <a:schemeClr val="bg1"/>
+                </a:solidFill>
+                <a:latin typeface="Courier" charset="0"/>
+                <a:ea typeface="Courier" charset="0"/>
+                <a:cs typeface="Courier" charset="0"/>
+              </a:defRPr>
+            </a:lvl1pPr>
+          </a:lstStyle>
           <a:p>
             <a:pPr algn="l"/>
             <a:r>
-              <a:rPr lang="en-US" sz="5400" dirty="0" smtClean="0"/>
-              <a:t>fric·tion</a:t>
-            </a:r>
-            <a:br>
-              <a:rPr lang="en-US" sz="5400" dirty="0" smtClean="0"/>
-            </a:br>
-            <a:r>
-              <a:rPr lang="en-US" sz="3600" dirty="0" smtClean="0"/>
-              <a:t>/frikSH(</a:t>
-            </a:r>
-            <a:r>
-              <a:rPr lang="en-US" sz="3600" dirty="0" err="1" smtClean="0"/>
-              <a:t>ə</a:t>
-            </a:r>
-            <a:r>
-              <a:rPr lang="en-US" sz="3600" dirty="0" smtClean="0"/>
-              <a:t>)n/</a:t>
-            </a:r>
-            <a:r>
-              <a:rPr lang="en-US" sz="4800" dirty="0" smtClean="0"/>
-              <a:t/>
-            </a:r>
-            <a:br>
-              <a:rPr lang="en-US" sz="4800" dirty="0" smtClean="0"/>
-            </a:br>
-            <a:r>
-              <a:rPr lang="en-US" sz="4800" dirty="0"/>
-              <a:t/>
-            </a:r>
-            <a:br>
-              <a:rPr lang="en-US" sz="4800" dirty="0"/>
-            </a:br>
-            <a:r>
-              <a:rPr lang="en-US" sz="3600" i="1" dirty="0" smtClean="0"/>
-              <a:t>noun</a:t>
-            </a:r>
-            <a:r>
-              <a:rPr lang="en-US" sz="3600" dirty="0" smtClean="0"/>
-              <a:t/>
-            </a:r>
-            <a:br>
-              <a:rPr lang="en-US" sz="3600" dirty="0" smtClean="0"/>
-            </a:br>
-            <a:r>
-              <a:rPr lang="en-US" sz="3600" dirty="0" smtClean="0"/>
-              <a:t/>
-            </a:r>
-            <a:br>
-              <a:rPr lang="en-US" sz="3600" dirty="0" smtClean="0"/>
-            </a:br>
-            <a:r>
-              <a:rPr lang="en-US" sz="3600" dirty="0" smtClean="0"/>
-              <a:t>conflict </a:t>
-            </a:r>
-            <a:r>
-              <a:rPr lang="en-US" sz="3600" dirty="0"/>
-              <a:t>or animosity caused by a clash of wills, temperaments, or </a:t>
-            </a:r>
-            <a:r>
-              <a:rPr lang="en-US" sz="3600" dirty="0" smtClean="0"/>
-              <a:t>opinions</a:t>
-            </a:r>
-            <a:endParaRPr lang="en-US" sz="4800" dirty="0"/>
+              <a:rPr lang="en-US" sz="5400" smtClean="0">
+                <a:solidFill>
+                  <a:schemeClr val="bg1">
+                    <a:lumMod val="65000"/>
+                  </a:schemeClr>
+                </a:solidFill>
+              </a:rPr>
+              <a:t>on·board·ing</a:t>
+            </a:r>
+            <a:endParaRPr lang="en-US" sz="5400" dirty="0">
+              <a:solidFill>
+                <a:schemeClr val="bg1">
+                  <a:lumMod val="65000"/>
+                </a:schemeClr>
+              </a:solidFill>
+            </a:endParaRPr>
           </a:p>
         </p:txBody>
       </p:sp>
     </p:spTree>
     <p:extLst>
       <p:ext uri="{BB962C8B-B14F-4D97-AF65-F5344CB8AC3E}">
-        <p14:creationId xmlns:p14="http://schemas.microsoft.com/office/powerpoint/2010/main" val="1836124931"/>
+        <p14:creationId xmlns:p14="http://schemas.microsoft.com/office/powerpoint/2010/main" val="276844321"/>
       </p:ext>
     </p:extLst>
   </p:cSld>
